--- a/Zelechowksi_Aledroggo.pptx
+++ b/Zelechowksi_Aledroggo.pptx
@@ -5,7 +5,7 @@
     <p:sldMasterId id="2147483659" r:id="rId1"/>
   </p:sldMasterIdLst>
   <p:notesMasterIdLst>
-    <p:notesMasterId r:id="rId33"/>
+    <p:notesMasterId r:id="rId35"/>
   </p:notesMasterIdLst>
   <p:sldIdLst>
     <p:sldId id="256" r:id="rId2"/>
@@ -15,11 +15,11 @@
     <p:sldId id="286" r:id="rId6"/>
     <p:sldId id="287" r:id="rId7"/>
     <p:sldId id="288" r:id="rId8"/>
-    <p:sldId id="263" r:id="rId9"/>
-    <p:sldId id="297" r:id="rId10"/>
-    <p:sldId id="289" r:id="rId11"/>
-    <p:sldId id="290" r:id="rId12"/>
-    <p:sldId id="291" r:id="rId13"/>
+    <p:sldId id="297" r:id="rId9"/>
+    <p:sldId id="289" r:id="rId10"/>
+    <p:sldId id="290" r:id="rId11"/>
+    <p:sldId id="291" r:id="rId12"/>
+    <p:sldId id="312" r:id="rId13"/>
     <p:sldId id="293" r:id="rId14"/>
     <p:sldId id="292" r:id="rId15"/>
     <p:sldId id="294" r:id="rId16"/>
@@ -30,35 +30,37 @@
     <p:sldId id="301" r:id="rId21"/>
     <p:sldId id="302" r:id="rId22"/>
     <p:sldId id="303" r:id="rId23"/>
-    <p:sldId id="304" r:id="rId24"/>
-    <p:sldId id="305" r:id="rId25"/>
-    <p:sldId id="306" r:id="rId26"/>
-    <p:sldId id="307" r:id="rId27"/>
-    <p:sldId id="309" r:id="rId28"/>
-    <p:sldId id="310" r:id="rId29"/>
-    <p:sldId id="308" r:id="rId30"/>
-    <p:sldId id="311" r:id="rId31"/>
-    <p:sldId id="285" r:id="rId32"/>
+    <p:sldId id="313" r:id="rId24"/>
+    <p:sldId id="304" r:id="rId25"/>
+    <p:sldId id="305" r:id="rId26"/>
+    <p:sldId id="306" r:id="rId27"/>
+    <p:sldId id="307" r:id="rId28"/>
+    <p:sldId id="314" r:id="rId29"/>
+    <p:sldId id="309" r:id="rId30"/>
+    <p:sldId id="310" r:id="rId31"/>
+    <p:sldId id="308" r:id="rId32"/>
+    <p:sldId id="311" r:id="rId33"/>
+    <p:sldId id="285" r:id="rId34"/>
   </p:sldIdLst>
   <p:sldSz cx="9144000" cy="5143500" type="screen16x9"/>
   <p:notesSz cx="6858000" cy="9144000"/>
   <p:embeddedFontLst>
     <p:embeddedFont>
       <p:font typeface="Encode Sans ExtraLight" charset="-18"/>
-      <p:regular r:id="rId34"/>
-      <p:bold r:id="rId35"/>
+      <p:regular r:id="rId36"/>
+      <p:bold r:id="rId37"/>
     </p:embeddedFont>
     <p:embeddedFont>
       <p:font typeface="Montserrat" charset="-18"/>
-      <p:regular r:id="rId36"/>
-      <p:bold r:id="rId37"/>
-      <p:italic r:id="rId38"/>
-      <p:boldItalic r:id="rId39"/>
+      <p:regular r:id="rId38"/>
+      <p:bold r:id="rId39"/>
+      <p:italic r:id="rId40"/>
+      <p:boldItalic r:id="rId41"/>
     </p:embeddedFont>
     <p:embeddedFont>
       <p:font typeface="Encode Sans" charset="-18"/>
-      <p:regular r:id="rId40"/>
-      <p:bold r:id="rId41"/>
+      <p:regular r:id="rId42"/>
+      <p:bold r:id="rId43"/>
     </p:embeddedFont>
   </p:embeddedFontLst>
   <p:defaultTextStyle>
@@ -848,110 +850,6 @@
   <p:cSld>
     <p:spTree>
       <p:nvGrpSpPr>
-        <p:cNvPr id="1" name="Shape 140"/>
-        <p:cNvGrpSpPr/>
-        <p:nvPr/>
-      </p:nvGrpSpPr>
-      <p:grpSpPr>
-        <a:xfrm>
-          <a:off x="0" y="0"/>
-          <a:ext cx="0" cy="0"/>
-          <a:chOff x="0" y="0"/>
-          <a:chExt cx="0" cy="0"/>
-        </a:xfrm>
-      </p:grpSpPr>
-      <p:sp>
-        <p:nvSpPr>
-          <p:cNvPr id="141" name="Google Shape;141;p:notes"/>
-          <p:cNvSpPr>
-            <a:spLocks noGrp="1" noRot="1" noChangeAspect="1"/>
-          </p:cNvSpPr>
-          <p:nvPr>
-            <p:ph type="sldImg" idx="2"/>
-          </p:nvPr>
-        </p:nvSpPr>
-        <p:spPr>
-          <a:xfrm>
-            <a:off x="381000" y="685800"/>
-            <a:ext cx="6096000" cy="3429000"/>
-          </a:xfrm>
-          <a:custGeom>
-            <a:avLst/>
-            <a:gdLst/>
-            <a:ahLst/>
-            <a:cxnLst/>
-            <a:rect l="l" t="t" r="r" b="b"/>
-            <a:pathLst>
-              <a:path w="120000" h="120000" extrusionOk="0">
-                <a:moveTo>
-                  <a:pt x="0" y="0"/>
-                </a:moveTo>
-                <a:lnTo>
-                  <a:pt x="120000" y="0"/>
-                </a:lnTo>
-                <a:lnTo>
-                  <a:pt x="120000" y="120000"/>
-                </a:lnTo>
-                <a:lnTo>
-                  <a:pt x="0" y="120000"/>
-                </a:lnTo>
-                <a:close/>
-              </a:path>
-            </a:pathLst>
-          </a:custGeom>
-        </p:spPr>
-      </p:sp>
-      <p:sp>
-        <p:nvSpPr>
-          <p:cNvPr id="142" name="Google Shape;142;p:notes"/>
-          <p:cNvSpPr txBox="1">
-            <a:spLocks noGrp="1"/>
-          </p:cNvSpPr>
-          <p:nvPr>
-            <p:ph type="body" idx="1"/>
-          </p:nvPr>
-        </p:nvSpPr>
-        <p:spPr>
-          <a:xfrm>
-            <a:off x="685800" y="4343400"/>
-            <a:ext cx="5486400" cy="4114800"/>
-          </a:xfrm>
-          <a:prstGeom prst="rect">
-            <a:avLst/>
-          </a:prstGeom>
-        </p:spPr>
-        <p:txBody>
-          <a:bodyPr spcFirstLastPara="1" wrap="square" lIns="91425" tIns="91425" rIns="91425" bIns="91425" anchor="t" anchorCtr="0">
-            <a:noAutofit/>
-          </a:bodyPr>
-          <a:lstStyle/>
-          <a:p>
-            <a:pPr marL="0" lvl="0" indent="0" algn="l" rtl="0">
-              <a:spcBef>
-                <a:spcPts val="0"/>
-              </a:spcBef>
-              <a:spcAft>
-                <a:spcPts val="0"/>
-              </a:spcAft>
-              <a:buNone/>
-            </a:pPr>
-            <a:endParaRPr/>
-          </a:p>
-        </p:txBody>
-      </p:sp>
-    </p:spTree>
-  </p:cSld>
-  <p:clrMapOvr>
-    <a:masterClrMapping/>
-  </p:clrMapOvr>
-</p:notes>
-</file>
-
-<file path=ppt/notesSlides/notesSlide11.xml><?xml version="1.0" encoding="utf-8"?>
-<p:notes xmlns:a="http://schemas.openxmlformats.org/drawingml/2006/main" xmlns:r="http://schemas.openxmlformats.org/officeDocument/2006/relationships" xmlns:p="http://schemas.openxmlformats.org/presentationml/2006/main" showMasterSp="0" showMasterPhAnim="0">
-  <p:cSld>
-    <p:spTree>
-      <p:nvGrpSpPr>
         <p:cNvPr id="1" name="Shape 168"/>
         <p:cNvGrpSpPr/>
         <p:nvPr/>
@@ -1008,6 +906,110 @@
       <p:sp>
         <p:nvSpPr>
           <p:cNvPr id="170" name="Google Shape;170;g35f391192_017:notes"/>
+          <p:cNvSpPr txBox="1">
+            <a:spLocks noGrp="1"/>
+          </p:cNvSpPr>
+          <p:nvPr>
+            <p:ph type="body" idx="1"/>
+          </p:nvPr>
+        </p:nvSpPr>
+        <p:spPr>
+          <a:xfrm>
+            <a:off x="685800" y="4343400"/>
+            <a:ext cx="5486400" cy="4114800"/>
+          </a:xfrm>
+          <a:prstGeom prst="rect">
+            <a:avLst/>
+          </a:prstGeom>
+        </p:spPr>
+        <p:txBody>
+          <a:bodyPr spcFirstLastPara="1" wrap="square" lIns="91425" tIns="91425" rIns="91425" bIns="91425" anchor="t" anchorCtr="0">
+            <a:noAutofit/>
+          </a:bodyPr>
+          <a:lstStyle/>
+          <a:p>
+            <a:pPr marL="0" lvl="0" indent="0" algn="l" rtl="0">
+              <a:spcBef>
+                <a:spcPts val="0"/>
+              </a:spcBef>
+              <a:spcAft>
+                <a:spcPts val="0"/>
+              </a:spcAft>
+              <a:buNone/>
+            </a:pPr>
+            <a:endParaRPr/>
+          </a:p>
+        </p:txBody>
+      </p:sp>
+    </p:spTree>
+  </p:cSld>
+  <p:clrMapOvr>
+    <a:masterClrMapping/>
+  </p:clrMapOvr>
+</p:notes>
+</file>
+
+<file path=ppt/notesSlides/notesSlide11.xml><?xml version="1.0" encoding="utf-8"?>
+<p:notes xmlns:a="http://schemas.openxmlformats.org/drawingml/2006/main" xmlns:r="http://schemas.openxmlformats.org/officeDocument/2006/relationships" xmlns:p="http://schemas.openxmlformats.org/presentationml/2006/main" showMasterSp="0" showMasterPhAnim="0">
+  <p:cSld>
+    <p:spTree>
+      <p:nvGrpSpPr>
+        <p:cNvPr id="1" name="Shape 185"/>
+        <p:cNvGrpSpPr/>
+        <p:nvPr/>
+      </p:nvGrpSpPr>
+      <p:grpSpPr>
+        <a:xfrm>
+          <a:off x="0" y="0"/>
+          <a:ext cx="0" cy="0"/>
+          <a:chOff x="0" y="0"/>
+          <a:chExt cx="0" cy="0"/>
+        </a:xfrm>
+      </p:grpSpPr>
+      <p:sp>
+        <p:nvSpPr>
+          <p:cNvPr id="186" name="Google Shape;186;g35f391192_057:notes"/>
+          <p:cNvSpPr>
+            <a:spLocks noGrp="1" noRot="1" noChangeAspect="1"/>
+          </p:cNvSpPr>
+          <p:nvPr>
+            <p:ph type="sldImg" idx="2"/>
+          </p:nvPr>
+        </p:nvSpPr>
+        <p:spPr>
+          <a:xfrm>
+            <a:off x="381000" y="685800"/>
+            <a:ext cx="6096000" cy="3429000"/>
+          </a:xfrm>
+          <a:custGeom>
+            <a:avLst/>
+            <a:gdLst/>
+            <a:ahLst/>
+            <a:cxnLst/>
+            <a:rect l="l" t="t" r="r" b="b"/>
+            <a:pathLst>
+              <a:path w="120000" h="120000" extrusionOk="0">
+                <a:moveTo>
+                  <a:pt x="0" y="0"/>
+                </a:moveTo>
+                <a:lnTo>
+                  <a:pt x="120000" y="0"/>
+                </a:lnTo>
+                <a:lnTo>
+                  <a:pt x="120000" y="120000"/>
+                </a:lnTo>
+                <a:lnTo>
+                  <a:pt x="0" y="120000"/>
+                </a:lnTo>
+                <a:close/>
+              </a:path>
+            </a:pathLst>
+          </a:custGeom>
+        </p:spPr>
+      </p:sp>
+      <p:sp>
+        <p:nvSpPr>
+          <p:cNvPr id="187" name="Google Shape;187;g35f391192_057:notes"/>
           <p:cNvSpPr txBox="1">
             <a:spLocks noGrp="1"/>
           </p:cNvSpPr>
@@ -3240,6 +3242,214 @@
   <p:cSld>
     <p:spTree>
       <p:nvGrpSpPr>
+        <p:cNvPr id="1" name="Shape 185"/>
+        <p:cNvGrpSpPr/>
+        <p:nvPr/>
+      </p:nvGrpSpPr>
+      <p:grpSpPr>
+        <a:xfrm>
+          <a:off x="0" y="0"/>
+          <a:ext cx="0" cy="0"/>
+          <a:chOff x="0" y="0"/>
+          <a:chExt cx="0" cy="0"/>
+        </a:xfrm>
+      </p:grpSpPr>
+      <p:sp>
+        <p:nvSpPr>
+          <p:cNvPr id="186" name="Google Shape;186;g35f391192_057:notes"/>
+          <p:cNvSpPr>
+            <a:spLocks noGrp="1" noRot="1" noChangeAspect="1"/>
+          </p:cNvSpPr>
+          <p:nvPr>
+            <p:ph type="sldImg" idx="2"/>
+          </p:nvPr>
+        </p:nvSpPr>
+        <p:spPr>
+          <a:xfrm>
+            <a:off x="381000" y="685800"/>
+            <a:ext cx="6096000" cy="3429000"/>
+          </a:xfrm>
+          <a:custGeom>
+            <a:avLst/>
+            <a:gdLst/>
+            <a:ahLst/>
+            <a:cxnLst/>
+            <a:rect l="l" t="t" r="r" b="b"/>
+            <a:pathLst>
+              <a:path w="120000" h="120000" extrusionOk="0">
+                <a:moveTo>
+                  <a:pt x="0" y="0"/>
+                </a:moveTo>
+                <a:lnTo>
+                  <a:pt x="120000" y="0"/>
+                </a:lnTo>
+                <a:lnTo>
+                  <a:pt x="120000" y="120000"/>
+                </a:lnTo>
+                <a:lnTo>
+                  <a:pt x="0" y="120000"/>
+                </a:lnTo>
+                <a:close/>
+              </a:path>
+            </a:pathLst>
+          </a:custGeom>
+        </p:spPr>
+      </p:sp>
+      <p:sp>
+        <p:nvSpPr>
+          <p:cNvPr id="187" name="Google Shape;187;g35f391192_057:notes"/>
+          <p:cNvSpPr txBox="1">
+            <a:spLocks noGrp="1"/>
+          </p:cNvSpPr>
+          <p:nvPr>
+            <p:ph type="body" idx="1"/>
+          </p:nvPr>
+        </p:nvSpPr>
+        <p:spPr>
+          <a:xfrm>
+            <a:off x="685800" y="4343400"/>
+            <a:ext cx="5486400" cy="4114800"/>
+          </a:xfrm>
+          <a:prstGeom prst="rect">
+            <a:avLst/>
+          </a:prstGeom>
+        </p:spPr>
+        <p:txBody>
+          <a:bodyPr spcFirstLastPara="1" wrap="square" lIns="91425" tIns="91425" rIns="91425" bIns="91425" anchor="t" anchorCtr="0">
+            <a:noAutofit/>
+          </a:bodyPr>
+          <a:lstStyle/>
+          <a:p>
+            <a:pPr marL="0" lvl="0" indent="0" algn="l" rtl="0">
+              <a:spcBef>
+                <a:spcPts val="0"/>
+              </a:spcBef>
+              <a:spcAft>
+                <a:spcPts val="0"/>
+              </a:spcAft>
+              <a:buNone/>
+            </a:pPr>
+            <a:endParaRPr/>
+          </a:p>
+        </p:txBody>
+      </p:sp>
+    </p:spTree>
+  </p:cSld>
+  <p:clrMapOvr>
+    <a:masterClrMapping/>
+  </p:clrMapOvr>
+</p:notes>
+</file>
+
+<file path=ppt/notesSlides/notesSlide32.xml><?xml version="1.0" encoding="utf-8"?>
+<p:notes xmlns:a="http://schemas.openxmlformats.org/drawingml/2006/main" xmlns:r="http://schemas.openxmlformats.org/officeDocument/2006/relationships" xmlns:p="http://schemas.openxmlformats.org/presentationml/2006/main" showMasterSp="0" showMasterPhAnim="0">
+  <p:cSld>
+    <p:spTree>
+      <p:nvGrpSpPr>
+        <p:cNvPr id="1" name="Shape 185"/>
+        <p:cNvGrpSpPr/>
+        <p:nvPr/>
+      </p:nvGrpSpPr>
+      <p:grpSpPr>
+        <a:xfrm>
+          <a:off x="0" y="0"/>
+          <a:ext cx="0" cy="0"/>
+          <a:chOff x="0" y="0"/>
+          <a:chExt cx="0" cy="0"/>
+        </a:xfrm>
+      </p:grpSpPr>
+      <p:sp>
+        <p:nvSpPr>
+          <p:cNvPr id="186" name="Google Shape;186;g35f391192_057:notes"/>
+          <p:cNvSpPr>
+            <a:spLocks noGrp="1" noRot="1" noChangeAspect="1"/>
+          </p:cNvSpPr>
+          <p:nvPr>
+            <p:ph type="sldImg" idx="2"/>
+          </p:nvPr>
+        </p:nvSpPr>
+        <p:spPr>
+          <a:xfrm>
+            <a:off x="381000" y="685800"/>
+            <a:ext cx="6096000" cy="3429000"/>
+          </a:xfrm>
+          <a:custGeom>
+            <a:avLst/>
+            <a:gdLst/>
+            <a:ahLst/>
+            <a:cxnLst/>
+            <a:rect l="l" t="t" r="r" b="b"/>
+            <a:pathLst>
+              <a:path w="120000" h="120000" extrusionOk="0">
+                <a:moveTo>
+                  <a:pt x="0" y="0"/>
+                </a:moveTo>
+                <a:lnTo>
+                  <a:pt x="120000" y="0"/>
+                </a:lnTo>
+                <a:lnTo>
+                  <a:pt x="120000" y="120000"/>
+                </a:lnTo>
+                <a:lnTo>
+                  <a:pt x="0" y="120000"/>
+                </a:lnTo>
+                <a:close/>
+              </a:path>
+            </a:pathLst>
+          </a:custGeom>
+        </p:spPr>
+      </p:sp>
+      <p:sp>
+        <p:nvSpPr>
+          <p:cNvPr id="187" name="Google Shape;187;g35f391192_057:notes"/>
+          <p:cNvSpPr txBox="1">
+            <a:spLocks noGrp="1"/>
+          </p:cNvSpPr>
+          <p:nvPr>
+            <p:ph type="body" idx="1"/>
+          </p:nvPr>
+        </p:nvSpPr>
+        <p:spPr>
+          <a:xfrm>
+            <a:off x="685800" y="4343400"/>
+            <a:ext cx="5486400" cy="4114800"/>
+          </a:xfrm>
+          <a:prstGeom prst="rect">
+            <a:avLst/>
+          </a:prstGeom>
+        </p:spPr>
+        <p:txBody>
+          <a:bodyPr spcFirstLastPara="1" wrap="square" lIns="91425" tIns="91425" rIns="91425" bIns="91425" anchor="t" anchorCtr="0">
+            <a:noAutofit/>
+          </a:bodyPr>
+          <a:lstStyle/>
+          <a:p>
+            <a:pPr marL="0" lvl="0" indent="0" algn="l" rtl="0">
+              <a:spcBef>
+                <a:spcPts val="0"/>
+              </a:spcBef>
+              <a:spcAft>
+                <a:spcPts val="0"/>
+              </a:spcAft>
+              <a:buNone/>
+            </a:pPr>
+            <a:endParaRPr/>
+          </a:p>
+        </p:txBody>
+      </p:sp>
+    </p:spTree>
+  </p:cSld>
+  <p:clrMapOvr>
+    <a:masterClrMapping/>
+  </p:clrMapOvr>
+</p:notes>
+</file>
+
+<file path=ppt/notesSlides/notesSlide33.xml><?xml version="1.0" encoding="utf-8"?>
+<p:notes xmlns:a="http://schemas.openxmlformats.org/drawingml/2006/main" xmlns:r="http://schemas.openxmlformats.org/officeDocument/2006/relationships" xmlns:p="http://schemas.openxmlformats.org/presentationml/2006/main" showMasterSp="0" showMasterPhAnim="0">
+  <p:cSld>
+    <p:spTree>
+      <p:nvGrpSpPr>
         <p:cNvPr id="1" name="Shape 1085"/>
         <p:cNvGrpSpPr/>
         <p:nvPr/>
@@ -3864,7 +4074,7 @@
   <p:cSld>
     <p:spTree>
       <p:nvGrpSpPr>
-        <p:cNvPr id="1" name="Shape 168"/>
+        <p:cNvPr id="1" name="Shape 140"/>
         <p:cNvGrpSpPr/>
         <p:nvPr/>
       </p:nvGrpSpPr>
@@ -3878,7 +4088,7 @@
       </p:grpSpPr>
       <p:sp>
         <p:nvSpPr>
-          <p:cNvPr id="169" name="Google Shape;169;g35f391192_017:notes"/>
+          <p:cNvPr id="141" name="Google Shape;141;p:notes"/>
           <p:cNvSpPr>
             <a:spLocks noGrp="1" noRot="1" noChangeAspect="1"/>
           </p:cNvSpPr>
@@ -3919,7 +4129,7 @@
       </p:sp>
       <p:sp>
         <p:nvSpPr>
-          <p:cNvPr id="170" name="Google Shape;170;g35f391192_017:notes"/>
+          <p:cNvPr id="142" name="Google Shape;142;p:notes"/>
           <p:cNvSpPr txBox="1">
             <a:spLocks noGrp="1"/>
           </p:cNvSpPr>
@@ -8968,271 +9178,17 @@
   <p:clrMapOvr>
     <a:masterClrMapping/>
   </p:clrMapOvr>
+  <p:timing>
+    <p:tnLst>
+      <p:par>
+        <p:cTn id="1" dur="indefinite" restart="never" nodeType="tmRoot"/>
+      </p:par>
+    </p:tnLst>
+  </p:timing>
 </p:sld>
 </file>
 
 <file path=ppt/slides/slide10.xml><?xml version="1.0" encoding="utf-8"?>
-<p:sld xmlns:a="http://schemas.openxmlformats.org/drawingml/2006/main" xmlns:r="http://schemas.openxmlformats.org/officeDocument/2006/relationships" xmlns:p="http://schemas.openxmlformats.org/presentationml/2006/main">
-  <p:cSld>
-    <p:spTree>
-      <p:nvGrpSpPr>
-        <p:cNvPr id="1" name="Shape 143"/>
-        <p:cNvGrpSpPr/>
-        <p:nvPr/>
-      </p:nvGrpSpPr>
-      <p:grpSpPr>
-        <a:xfrm>
-          <a:off x="0" y="0"/>
-          <a:ext cx="0" cy="0"/>
-          <a:chOff x="0" y="0"/>
-          <a:chExt cx="0" cy="0"/>
-        </a:xfrm>
-      </p:grpSpPr>
-      <p:sp>
-        <p:nvSpPr>
-          <p:cNvPr id="144" name="Google Shape;144;p18"/>
-          <p:cNvSpPr txBox="1">
-            <a:spLocks noGrp="1"/>
-          </p:cNvSpPr>
-          <p:nvPr>
-            <p:ph type="title"/>
-          </p:nvPr>
-        </p:nvSpPr>
-        <p:spPr>
-          <a:xfrm>
-            <a:off x="549600" y="361375"/>
-            <a:ext cx="7497000" cy="549600"/>
-          </a:xfrm>
-          <a:prstGeom prst="rect">
-            <a:avLst/>
-          </a:prstGeom>
-        </p:spPr>
-        <p:txBody>
-          <a:bodyPr spcFirstLastPara="1" wrap="square" lIns="91425" tIns="91425" rIns="91425" bIns="91425" anchor="b" anchorCtr="0">
-            <a:noAutofit/>
-          </a:bodyPr>
-          <a:lstStyle/>
-          <a:p>
-            <a:pPr marL="0" lvl="0" indent="0" algn="l" rtl="0">
-              <a:spcBef>
-                <a:spcPts val="0"/>
-              </a:spcBef>
-              <a:spcAft>
-                <a:spcPts val="0"/>
-              </a:spcAft>
-              <a:buNone/>
-            </a:pPr>
-            <a:r>
-              <a:rPr lang="pl-PL" dirty="0" smtClean="0"/>
-              <a:t>Robot</a:t>
-            </a:r>
-            <a:endParaRPr dirty="0"/>
-          </a:p>
-        </p:txBody>
-      </p:sp>
-      <p:sp>
-        <p:nvSpPr>
-          <p:cNvPr id="145" name="Google Shape;145;p18"/>
-          <p:cNvSpPr txBox="1">
-            <a:spLocks noGrp="1"/>
-          </p:cNvSpPr>
-          <p:nvPr>
-            <p:ph type="body" idx="1"/>
-          </p:nvPr>
-        </p:nvSpPr>
-        <p:spPr>
-          <a:xfrm>
-            <a:off x="539552" y="1059582"/>
-            <a:ext cx="7497000" cy="2946300"/>
-          </a:xfrm>
-          <a:prstGeom prst="rect">
-            <a:avLst/>
-          </a:prstGeom>
-        </p:spPr>
-        <p:txBody>
-          <a:bodyPr spcFirstLastPara="1" wrap="square" lIns="91425" tIns="91425" rIns="91425" bIns="91425" anchor="t" anchorCtr="0">
-            <a:noAutofit/>
-          </a:bodyPr>
-          <a:lstStyle/>
-          <a:p>
-            <a:pPr marL="76200" lvl="0" indent="0">
-              <a:spcBef>
-                <a:spcPts val="0"/>
-              </a:spcBef>
-              <a:buNone/>
-            </a:pPr>
-            <a:r>
-              <a:rPr lang="pl-PL" dirty="0" smtClean="0"/>
-              <a:t>Chciałby:</a:t>
-            </a:r>
-          </a:p>
-          <a:p>
-            <a:pPr lvl="0">
-              <a:spcBef>
-                <a:spcPts val="0"/>
-              </a:spcBef>
-            </a:pPr>
-            <a:r>
-              <a:rPr lang="pl-PL" dirty="0" smtClean="0"/>
-              <a:t>Żeby użytkownik nie był głupi</a:t>
-            </a:r>
-            <a:endParaRPr lang="pl-PL" dirty="0"/>
-          </a:p>
-          <a:p>
-            <a:pPr lvl="0">
-              <a:spcBef>
-                <a:spcPts val="0"/>
-              </a:spcBef>
-            </a:pPr>
-            <a:r>
-              <a:rPr lang="pl-PL" dirty="0" smtClean="0"/>
-              <a:t>Połączenie ze swoją bazą danych</a:t>
-            </a:r>
-          </a:p>
-          <a:p>
-            <a:pPr lvl="0">
-              <a:spcBef>
-                <a:spcPts val="0"/>
-              </a:spcBef>
-            </a:pPr>
-            <a:r>
-              <a:rPr lang="pl-PL" dirty="0" smtClean="0"/>
-              <a:t>Połączenie z API allegro</a:t>
-            </a:r>
-          </a:p>
-          <a:p>
-            <a:pPr lvl="0">
-              <a:spcBef>
-                <a:spcPts val="0"/>
-              </a:spcBef>
-            </a:pPr>
-            <a:r>
-              <a:rPr lang="pl-PL" dirty="0" smtClean="0"/>
-              <a:t>Szybki „Algorytm” gromadzenia, oraz przetwarzania danych</a:t>
-            </a:r>
-          </a:p>
-          <a:p>
-            <a:pPr lvl="0">
-              <a:spcBef>
-                <a:spcPts val="0"/>
-              </a:spcBef>
-            </a:pPr>
-            <a:r>
-              <a:rPr lang="pl-PL" dirty="0" smtClean="0"/>
-              <a:t>Gdzieś pracować</a:t>
-            </a:r>
-          </a:p>
-          <a:p>
-            <a:pPr lvl="0">
-              <a:spcBef>
-                <a:spcPts val="0"/>
-              </a:spcBef>
-            </a:pPr>
-            <a:r>
-              <a:rPr lang="pl-PL" dirty="0" smtClean="0"/>
-              <a:t>Być bezpieczny</a:t>
-            </a:r>
-          </a:p>
-        </p:txBody>
-      </p:sp>
-      <p:sp>
-        <p:nvSpPr>
-          <p:cNvPr id="146" name="Google Shape;146;p18"/>
-          <p:cNvSpPr txBox="1">
-            <a:spLocks noGrp="1"/>
-          </p:cNvSpPr>
-          <p:nvPr>
-            <p:ph type="sldNum" idx="12"/>
-          </p:nvPr>
-        </p:nvSpPr>
-        <p:spPr>
-          <a:xfrm>
-            <a:off x="8046600" y="4593850"/>
-            <a:ext cx="1097400" cy="549600"/>
-          </a:xfrm>
-          <a:prstGeom prst="rect">
-            <a:avLst/>
-          </a:prstGeom>
-        </p:spPr>
-        <p:txBody>
-          <a:bodyPr spcFirstLastPara="1" wrap="square" lIns="91425" tIns="91425" rIns="91425" bIns="91425" anchor="ctr" anchorCtr="0">
-            <a:noAutofit/>
-          </a:bodyPr>
-          <a:lstStyle/>
-          <a:p>
-            <a:pPr marL="0" lvl="0" indent="0" algn="ctr" rtl="0">
-              <a:spcBef>
-                <a:spcPts val="0"/>
-              </a:spcBef>
-              <a:spcAft>
-                <a:spcPts val="0"/>
-              </a:spcAft>
-              <a:buNone/>
-            </a:pPr>
-            <a:fld id="{00000000-1234-1234-1234-123412341234}" type="slidenum">
-              <a:rPr lang="en"/>
-              <a:t>10</a:t>
-            </a:fld>
-            <a:endParaRPr/>
-          </a:p>
-        </p:txBody>
-      </p:sp>
-      <p:sp>
-        <p:nvSpPr>
-          <p:cNvPr id="147" name="Google Shape;147;p18"/>
-          <p:cNvSpPr txBox="1">
-            <a:spLocks noGrp="1"/>
-          </p:cNvSpPr>
-          <p:nvPr>
-            <p:ph type="sldNum" idx="4294967295"/>
-          </p:nvPr>
-        </p:nvSpPr>
-        <p:spPr>
-          <a:xfrm>
-            <a:off x="4023300" y="4593850"/>
-            <a:ext cx="1097400" cy="549600"/>
-          </a:xfrm>
-          <a:prstGeom prst="rect">
-            <a:avLst/>
-          </a:prstGeom>
-        </p:spPr>
-        <p:txBody>
-          <a:bodyPr spcFirstLastPara="1" wrap="square" lIns="91425" tIns="91425" rIns="91425" bIns="91425" anchor="ctr" anchorCtr="0">
-            <a:noAutofit/>
-          </a:bodyPr>
-          <a:lstStyle/>
-          <a:p>
-            <a:pPr marL="0" lvl="0" indent="0" algn="ctr" rtl="0">
-              <a:spcBef>
-                <a:spcPts val="0"/>
-              </a:spcBef>
-              <a:spcAft>
-                <a:spcPts val="0"/>
-              </a:spcAft>
-              <a:buNone/>
-            </a:pPr>
-            <a:fld id="{00000000-1234-1234-1234-123412341234}" type="slidenum">
-              <a:rPr lang="en"/>
-              <a:t>10</a:t>
-            </a:fld>
-            <a:endParaRPr/>
-          </a:p>
-        </p:txBody>
-      </p:sp>
-    </p:spTree>
-    <p:extLst>
-      <p:ext uri="{BB962C8B-B14F-4D97-AF65-F5344CB8AC3E}">
-        <p14:creationId xmlns:p14="http://schemas.microsoft.com/office/powerpoint/2010/main" val="3576051005"/>
-      </p:ext>
-    </p:extLst>
-  </p:cSld>
-  <p:clrMapOvr>
-    <a:masterClrMapping/>
-  </p:clrMapOvr>
-</p:sld>
-</file>
-
-<file path=ppt/slides/slide11.xml><?xml version="1.0" encoding="utf-8"?>
 <p:sld xmlns:a="http://schemas.openxmlformats.org/drawingml/2006/main" xmlns:r="http://schemas.openxmlformats.org/officeDocument/2006/relationships" xmlns:p="http://schemas.openxmlformats.org/presentationml/2006/main">
   <p:cSld>
     <p:spTree>
@@ -9327,7 +9283,7 @@
             </a:pPr>
             <a:fld id="{00000000-1234-1234-1234-123412341234}" type="slidenum">
               <a:rPr lang="en"/>
-              <a:t>11</a:t>
+              <a:t>10</a:t>
             </a:fld>
             <a:endParaRPr/>
           </a:p>
@@ -9417,13 +9373,7 @@
               <a:rPr lang="pl-PL" dirty="0" smtClean="0"/>
               <a:t>Bezpieczeństwo</a:t>
             </a:r>
-          </a:p>
-          <a:p>
-            <a:r>
-              <a:rPr lang="pl-PL" dirty="0" smtClean="0"/>
-              <a:t>Składnia?</a:t>
-            </a:r>
-            <a:endParaRPr lang="pl-PL" dirty="0"/>
+            <a:endParaRPr lang="pl-PL" dirty="0" smtClean="0"/>
           </a:p>
         </p:txBody>
       </p:sp>
@@ -9437,6 +9387,221 @@
   <p:clrMapOvr>
     <a:masterClrMapping/>
   </p:clrMapOvr>
+  <p:timing>
+    <p:tnLst>
+      <p:par>
+        <p:cTn id="1" dur="indefinite" restart="never" nodeType="tmRoot"/>
+      </p:par>
+    </p:tnLst>
+  </p:timing>
+</p:sld>
+</file>
+
+<file path=ppt/slides/slide11.xml><?xml version="1.0" encoding="utf-8"?>
+<p:sld xmlns:a="http://schemas.openxmlformats.org/drawingml/2006/main" xmlns:r="http://schemas.openxmlformats.org/officeDocument/2006/relationships" xmlns:p="http://schemas.openxmlformats.org/presentationml/2006/main">
+  <p:cSld>
+    <p:spTree>
+      <p:nvGrpSpPr>
+        <p:cNvPr id="1" name="Shape 188"/>
+        <p:cNvGrpSpPr/>
+        <p:nvPr/>
+      </p:nvGrpSpPr>
+      <p:grpSpPr>
+        <a:xfrm>
+          <a:off x="0" y="0"/>
+          <a:ext cx="0" cy="0"/>
+          <a:chOff x="0" y="0"/>
+          <a:chExt cx="0" cy="0"/>
+        </a:xfrm>
+      </p:grpSpPr>
+      <p:sp>
+        <p:nvSpPr>
+          <p:cNvPr id="189" name="Google Shape;189;p22"/>
+          <p:cNvSpPr txBox="1">
+            <a:spLocks noGrp="1"/>
+          </p:cNvSpPr>
+          <p:nvPr>
+            <p:ph type="title"/>
+          </p:nvPr>
+        </p:nvSpPr>
+        <p:spPr>
+          <a:xfrm>
+            <a:off x="549600" y="361375"/>
+            <a:ext cx="3740400" cy="549600"/>
+          </a:xfrm>
+          <a:prstGeom prst="rect">
+            <a:avLst/>
+          </a:prstGeom>
+        </p:spPr>
+        <p:txBody>
+          <a:bodyPr spcFirstLastPara="1" wrap="square" lIns="91425" tIns="91425" rIns="91425" bIns="91425" anchor="b" anchorCtr="0">
+            <a:noAutofit/>
+          </a:bodyPr>
+          <a:lstStyle/>
+          <a:p>
+            <a:pPr marL="0" lvl="0" indent="0" algn="l" rtl="0">
+              <a:spcBef>
+                <a:spcPts val="0"/>
+              </a:spcBef>
+              <a:spcAft>
+                <a:spcPts val="0"/>
+              </a:spcAft>
+              <a:buNone/>
+            </a:pPr>
+            <a:r>
+              <a:rPr lang="pl-PL" dirty="0" err="1" smtClean="0"/>
+              <a:t>Oracle</a:t>
+            </a:r>
+            <a:endParaRPr dirty="0"/>
+          </a:p>
+        </p:txBody>
+      </p:sp>
+      <p:sp>
+        <p:nvSpPr>
+          <p:cNvPr id="190" name="Google Shape;190;p22"/>
+          <p:cNvSpPr txBox="1">
+            <a:spLocks noGrp="1"/>
+          </p:cNvSpPr>
+          <p:nvPr>
+            <p:ph type="body" idx="1"/>
+          </p:nvPr>
+        </p:nvSpPr>
+        <p:spPr>
+          <a:xfrm>
+            <a:off x="179512" y="1200150"/>
+            <a:ext cx="4320480" cy="2946300"/>
+          </a:xfrm>
+          <a:prstGeom prst="rect">
+            <a:avLst/>
+          </a:prstGeom>
+        </p:spPr>
+        <p:txBody>
+          <a:bodyPr spcFirstLastPara="1" wrap="square" lIns="91425" tIns="91425" rIns="91425" bIns="91425" anchor="t" anchorCtr="0">
+            <a:noAutofit/>
+          </a:bodyPr>
+          <a:lstStyle/>
+          <a:p>
+            <a:pPr marL="76200" lvl="0" indent="0">
+              <a:spcBef>
+                <a:spcPts val="0"/>
+              </a:spcBef>
+              <a:buNone/>
+            </a:pPr>
+            <a:r>
+              <a:rPr lang="pl-PL" dirty="0" smtClean="0"/>
+              <a:t>Co poszło nie tak?</a:t>
+            </a:r>
+          </a:p>
+          <a:p>
+            <a:pPr lvl="0">
+              <a:spcBef>
+                <a:spcPts val="0"/>
+              </a:spcBef>
+            </a:pPr>
+            <a:r>
+              <a:rPr lang="pl-PL" dirty="0" smtClean="0"/>
+              <a:t>Wybór bazy</a:t>
+            </a:r>
+          </a:p>
+          <a:p>
+            <a:pPr lvl="0">
+              <a:spcBef>
+                <a:spcPts val="0"/>
+              </a:spcBef>
+            </a:pPr>
+            <a:r>
+              <a:rPr lang="pl-PL" dirty="0" err="1" smtClean="0"/>
+              <a:t>cx_Oracle</a:t>
+            </a:r>
+            <a:endParaRPr lang="pl-PL" dirty="0" smtClean="0"/>
+          </a:p>
+          <a:p>
+            <a:pPr lvl="0">
+              <a:spcBef>
+                <a:spcPts val="0"/>
+              </a:spcBef>
+            </a:pPr>
+            <a:r>
+              <a:rPr lang="pl-PL" dirty="0" err="1" smtClean="0"/>
+              <a:t>InstantClient</a:t>
+            </a:r>
+            <a:r>
+              <a:rPr lang="pl-PL" dirty="0" smtClean="0"/>
+              <a:t> – Po co?</a:t>
+            </a:r>
+          </a:p>
+          <a:p>
+            <a:pPr lvl="0">
+              <a:spcBef>
+                <a:spcPts val="0"/>
+              </a:spcBef>
+            </a:pPr>
+            <a:r>
+              <a:rPr lang="pl-PL" dirty="0" smtClean="0"/>
+              <a:t>Prostota</a:t>
+            </a:r>
+          </a:p>
+        </p:txBody>
+      </p:sp>
+      <p:sp>
+        <p:nvSpPr>
+          <p:cNvPr id="192" name="Google Shape;192;p22"/>
+          <p:cNvSpPr txBox="1">
+            <a:spLocks noGrp="1"/>
+          </p:cNvSpPr>
+          <p:nvPr>
+            <p:ph type="sldNum" idx="12"/>
+          </p:nvPr>
+        </p:nvSpPr>
+        <p:spPr>
+          <a:xfrm>
+            <a:off x="8046600" y="4593850"/>
+            <a:ext cx="1097400" cy="549600"/>
+          </a:xfrm>
+          <a:prstGeom prst="rect">
+            <a:avLst/>
+          </a:prstGeom>
+        </p:spPr>
+        <p:txBody>
+          <a:bodyPr spcFirstLastPara="1" wrap="square" lIns="91425" tIns="91425" rIns="91425" bIns="91425" anchor="ctr" anchorCtr="0">
+            <a:noAutofit/>
+          </a:bodyPr>
+          <a:lstStyle/>
+          <a:p>
+            <a:pPr marL="0" lvl="0" indent="0" algn="ctr" rtl="0">
+              <a:spcBef>
+                <a:spcPts val="0"/>
+              </a:spcBef>
+              <a:spcAft>
+                <a:spcPts val="0"/>
+              </a:spcAft>
+              <a:buNone/>
+            </a:pPr>
+            <a:fld id="{00000000-1234-1234-1234-123412341234}" type="slidenum">
+              <a:rPr lang="en"/>
+              <a:t>11</a:t>
+            </a:fld>
+            <a:endParaRPr/>
+          </a:p>
+        </p:txBody>
+      </p:sp>
+    </p:spTree>
+    <p:extLst>
+      <p:ext uri="{BB962C8B-B14F-4D97-AF65-F5344CB8AC3E}">
+        <p14:creationId xmlns:p14="http://schemas.microsoft.com/office/powerpoint/2010/main" val="2260723607"/>
+      </p:ext>
+    </p:extLst>
+  </p:cSld>
+  <p:clrMapOvr>
+    <a:masterClrMapping/>
+  </p:clrMapOvr>
+  <p:timing>
+    <p:tnLst>
+      <p:par>
+        <p:cTn id="1" dur="indefinite" restart="never" nodeType="tmRoot"/>
+      </p:par>
+    </p:tnLst>
+  </p:timing>
 </p:sld>
 </file>
 
@@ -9501,93 +9666,6 @@
       </p:sp>
       <p:sp>
         <p:nvSpPr>
-          <p:cNvPr id="190" name="Google Shape;190;p22"/>
-          <p:cNvSpPr txBox="1">
-            <a:spLocks noGrp="1"/>
-          </p:cNvSpPr>
-          <p:nvPr>
-            <p:ph type="body" idx="1"/>
-          </p:nvPr>
-        </p:nvSpPr>
-        <p:spPr>
-          <a:xfrm>
-            <a:off x="179512" y="1200150"/>
-            <a:ext cx="4320480" cy="2946300"/>
-          </a:xfrm>
-          <a:prstGeom prst="rect">
-            <a:avLst/>
-          </a:prstGeom>
-        </p:spPr>
-        <p:txBody>
-          <a:bodyPr spcFirstLastPara="1" wrap="square" lIns="91425" tIns="91425" rIns="91425" bIns="91425" anchor="t" anchorCtr="0">
-            <a:noAutofit/>
-          </a:bodyPr>
-          <a:lstStyle/>
-          <a:p>
-            <a:pPr marL="76200" lvl="0" indent="0">
-              <a:spcBef>
-                <a:spcPts val="0"/>
-              </a:spcBef>
-              <a:buNone/>
-            </a:pPr>
-            <a:r>
-              <a:rPr lang="pl-PL" dirty="0" smtClean="0"/>
-              <a:t>Co poszło nie tak?</a:t>
-            </a:r>
-          </a:p>
-          <a:p>
-            <a:pPr lvl="0">
-              <a:spcBef>
-                <a:spcPts val="0"/>
-              </a:spcBef>
-            </a:pPr>
-            <a:r>
-              <a:rPr lang="pl-PL" dirty="0" smtClean="0"/>
-              <a:t>Wybór bazy</a:t>
-            </a:r>
-          </a:p>
-          <a:p>
-            <a:pPr lvl="0">
-              <a:spcBef>
-                <a:spcPts val="0"/>
-              </a:spcBef>
-            </a:pPr>
-            <a:r>
-              <a:rPr lang="pl-PL" dirty="0" err="1" smtClean="0"/>
-              <a:t>cx_Oracle</a:t>
-            </a:r>
-            <a:endParaRPr lang="pl-PL" dirty="0" smtClean="0"/>
-          </a:p>
-          <a:p>
-            <a:pPr lvl="0">
-              <a:spcBef>
-                <a:spcPts val="0"/>
-              </a:spcBef>
-            </a:pPr>
-            <a:r>
-              <a:rPr lang="pl-PL" dirty="0" err="1" smtClean="0"/>
-              <a:t>InstantClient</a:t>
-            </a:r>
-            <a:r>
-              <a:rPr lang="pl-PL" dirty="0" smtClean="0"/>
-              <a:t> – Po co?</a:t>
-            </a:r>
-          </a:p>
-          <a:p>
-            <a:pPr lvl="0">
-              <a:spcBef>
-                <a:spcPts val="0"/>
-              </a:spcBef>
-            </a:pPr>
-            <a:r>
-              <a:rPr lang="pl-PL" dirty="0" smtClean="0"/>
-              <a:t>Prostota</a:t>
-            </a:r>
-          </a:p>
-        </p:txBody>
-      </p:sp>
-      <p:sp>
-        <p:nvSpPr>
           <p:cNvPr id="192" name="Google Shape;192;p22"/>
           <p:cNvSpPr txBox="1">
             <a:spLocks noGrp="1"/>
@@ -9630,7 +9708,7 @@
       </p:sp>
       <p:pic>
         <p:nvPicPr>
-          <p:cNvPr id="2050" name="Picture 2" descr="C:\Users\Jarek\Downloads\88481029-a-rock-climber-on-a-rock-a-man-climbs-the-rock-on-the-background-of-a-beautiful-mountain-landscape-a.jpg"/>
+          <p:cNvPr id="1026" name="Picture 2" descr="C:\Users\Jarek\Downloads\ezgif.com-gif-maker.png"/>
           <p:cNvPicPr>
             <a:picLocks noChangeAspect="1" noChangeArrowheads="1"/>
           </p:cNvPicPr>
@@ -9651,8 +9729,8 @@
         </p:blipFill>
         <p:spPr bwMode="auto">
           <a:xfrm>
-            <a:off x="4572000" y="580926"/>
-            <a:ext cx="4189586" cy="2790372"/>
+            <a:off x="539552" y="1336136"/>
+            <a:ext cx="7766050" cy="2387600"/>
           </a:xfrm>
           <a:prstGeom prst="rect">
             <a:avLst/>
@@ -9672,13 +9750,20 @@
     </p:spTree>
     <p:extLst>
       <p:ext uri="{BB962C8B-B14F-4D97-AF65-F5344CB8AC3E}">
-        <p14:creationId xmlns:p14="http://schemas.microsoft.com/office/powerpoint/2010/main" val="2260723607"/>
+        <p14:creationId xmlns:p14="http://schemas.microsoft.com/office/powerpoint/2010/main" val="595604543"/>
       </p:ext>
     </p:extLst>
   </p:cSld>
   <p:clrMapOvr>
     <a:masterClrMapping/>
   </p:clrMapOvr>
+  <p:timing>
+    <p:tnLst>
+      <p:par>
+        <p:cTn id="1" dur="indefinite" restart="never" nodeType="tmRoot"/>
+      </p:par>
+    </p:tnLst>
+  </p:timing>
 </p:sld>
 </file>
 
@@ -9857,6 +9942,13 @@
   <p:clrMapOvr>
     <a:masterClrMapping/>
   </p:clrMapOvr>
+  <p:timing>
+    <p:tnLst>
+      <p:par>
+        <p:cTn id="1" dur="indefinite" restart="never" nodeType="tmRoot"/>
+      </p:par>
+    </p:tnLst>
+  </p:timing>
 </p:sld>
 </file>
 
@@ -9902,20 +9994,12 @@
           </a:bodyPr>
           <a:lstStyle/>
           <a:p>
-            <a:pPr marL="0" lvl="0" indent="0" algn="l" rtl="0">
-              <a:spcBef>
-                <a:spcPts val="0"/>
-              </a:spcBef>
-              <a:spcAft>
-                <a:spcPts val="0"/>
-              </a:spcAft>
-              <a:buNone/>
-            </a:pPr>
+            <a:pPr marL="76200" lvl="0"/>
             <a:r>
-              <a:rPr lang="pl-PL" dirty="0" smtClean="0"/>
-              <a:t>Allegro</a:t>
+              <a:rPr lang="pl-PL" dirty="0"/>
+              <a:t>Allegro REST API</a:t>
             </a:r>
-            <a:endParaRPr dirty="0"/>
+            <a:endParaRPr lang="pl-PL" dirty="0"/>
           </a:p>
         </p:txBody>
       </p:sp>
@@ -9981,19 +10065,6 @@
           <a:bodyPr/>
           <a:lstStyle/>
           <a:p>
-            <a:pPr marL="76200" lvl="0" indent="0">
-              <a:spcBef>
-                <a:spcPts val="0"/>
-              </a:spcBef>
-              <a:buNone/>
-            </a:pPr>
-            <a:r>
-              <a:rPr lang="pl-PL" dirty="0" smtClean="0"/>
-              <a:t>Allegro REST API</a:t>
-            </a:r>
-            <a:endParaRPr lang="pl-PL" dirty="0"/>
-          </a:p>
-          <a:p>
             <a:pPr lvl="0">
               <a:spcBef>
                 <a:spcPts val="0"/>
@@ -10003,6 +10074,7 @@
               <a:rPr lang="pl-PL" dirty="0" smtClean="0"/>
               <a:t>OAuth2</a:t>
             </a:r>
+            <a:endParaRPr lang="pl-PL" dirty="0" smtClean="0"/>
           </a:p>
           <a:p>
             <a:pPr lvl="0">
@@ -10060,6 +10132,13 @@
   <p:clrMapOvr>
     <a:masterClrMapping/>
   </p:clrMapOvr>
+  <p:timing>
+    <p:tnLst>
+      <p:par>
+        <p:cTn id="1" dur="indefinite" restart="never" nodeType="tmRoot"/>
+      </p:par>
+    </p:tnLst>
+  </p:timing>
 </p:sld>
 </file>
 
@@ -12177,12 +12256,12 @@
               <a:buNone/>
             </a:pPr>
             <a:r>
-              <a:rPr lang="pl-PL" dirty="0" err="1" smtClean="0"/>
-              <a:t>Oauth</a:t>
+              <a:rPr lang="pl-PL" dirty="0" smtClean="0"/>
+              <a:t>OAuth </a:t>
             </a:r>
             <a:r>
               <a:rPr lang="pl-PL" dirty="0" smtClean="0"/>
-              <a:t> 2.0</a:t>
+              <a:t>2.0</a:t>
             </a:r>
             <a:endParaRPr dirty="0"/>
           </a:p>
@@ -12230,33 +12309,6 @@
           </a:p>
         </p:txBody>
       </p:sp>
-      <p:pic>
-        <p:nvPicPr>
-          <p:cNvPr id="191" name="Google Shape;191;p22" descr="buildings1.jpg"/>
-          <p:cNvPicPr preferRelativeResize="0"/>
-          <p:nvPr/>
-        </p:nvPicPr>
-        <p:blipFill rotWithShape="1">
-          <a:blip r:embed="rId3">
-            <a:alphaModFix/>
-          </a:blip>
-          <a:srcRect l="51162"/>
-          <a:stretch/>
-        </p:blipFill>
-        <p:spPr>
-          <a:xfrm>
-            <a:off x="5155375" y="0"/>
-            <a:ext cx="3988624" cy="4593850"/>
-          </a:xfrm>
-          <a:prstGeom prst="rect">
-            <a:avLst/>
-          </a:prstGeom>
-          <a:noFill/>
-          <a:ln>
-            <a:noFill/>
-          </a:ln>
-        </p:spPr>
-      </p:pic>
       <p:sp>
         <p:nvSpPr>
           <p:cNvPr id="192" name="Google Shape;192;p22"/>
@@ -13081,6 +13133,13 @@
   <p:clrMapOvr>
     <a:masterClrMapping/>
   </p:clrMapOvr>
+  <p:timing>
+    <p:tnLst>
+      <p:par>
+        <p:cTn id="1" dur="indefinite" restart="never" nodeType="tmRoot"/>
+      </p:par>
+    </p:tnLst>
+  </p:timing>
 </p:sld>
 </file>
 
@@ -13721,117 +13780,6 @@
       </p:grpSpPr>
       <p:sp>
         <p:nvSpPr>
-          <p:cNvPr id="189" name="Google Shape;189;p22"/>
-          <p:cNvSpPr txBox="1">
-            <a:spLocks noGrp="1"/>
-          </p:cNvSpPr>
-          <p:nvPr>
-            <p:ph type="title"/>
-          </p:nvPr>
-        </p:nvSpPr>
-        <p:spPr>
-          <a:xfrm>
-            <a:off x="549600" y="361375"/>
-            <a:ext cx="3740400" cy="549600"/>
-          </a:xfrm>
-          <a:prstGeom prst="rect">
-            <a:avLst/>
-          </a:prstGeom>
-        </p:spPr>
-        <p:txBody>
-          <a:bodyPr spcFirstLastPara="1" wrap="square" lIns="91425" tIns="91425" rIns="91425" bIns="91425" anchor="b" anchorCtr="0">
-            <a:noAutofit/>
-          </a:bodyPr>
-          <a:lstStyle/>
-          <a:p>
-            <a:pPr marL="0" lvl="0" indent="0" algn="l" rtl="0">
-              <a:spcBef>
-                <a:spcPts val="0"/>
-              </a:spcBef>
-              <a:spcAft>
-                <a:spcPts val="0"/>
-              </a:spcAft>
-              <a:buNone/>
-            </a:pPr>
-            <a:r>
-              <a:rPr lang="pl-PL" dirty="0" smtClean="0"/>
-              <a:t>API</a:t>
-            </a:r>
-            <a:endParaRPr dirty="0"/>
-          </a:p>
-        </p:txBody>
-      </p:sp>
-      <p:sp>
-        <p:nvSpPr>
-          <p:cNvPr id="190" name="Google Shape;190;p22"/>
-          <p:cNvSpPr txBox="1">
-            <a:spLocks noGrp="1"/>
-          </p:cNvSpPr>
-          <p:nvPr>
-            <p:ph type="body" idx="1"/>
-          </p:nvPr>
-        </p:nvSpPr>
-        <p:spPr>
-          <a:xfrm>
-            <a:off x="323528" y="1203598"/>
-            <a:ext cx="4680520" cy="2946300"/>
-          </a:xfrm>
-          <a:prstGeom prst="rect">
-            <a:avLst/>
-          </a:prstGeom>
-        </p:spPr>
-        <p:txBody>
-          <a:bodyPr spcFirstLastPara="1" wrap="square" lIns="91425" tIns="91425" rIns="91425" bIns="91425" anchor="t" anchorCtr="0">
-            <a:noAutofit/>
-          </a:bodyPr>
-          <a:lstStyle/>
-          <a:p>
-            <a:pPr marL="0" lvl="0" indent="0" algn="l" rtl="0">
-              <a:spcBef>
-                <a:spcPts val="600"/>
-              </a:spcBef>
-              <a:spcAft>
-                <a:spcPts val="0"/>
-              </a:spcAft>
-              <a:buNone/>
-            </a:pPr>
-            <a:r>
-              <a:rPr lang="pl-PL" dirty="0" smtClean="0"/>
-              <a:t>API ma za zadanie stworzyć środowisko w którym aplikacje będą mogły się ze sobą porozumiewać. API to pewnego rodzaju standard opisujący komunikacje między aplikacjami</a:t>
-            </a:r>
-            <a:endParaRPr dirty="0"/>
-          </a:p>
-        </p:txBody>
-      </p:sp>
-      <p:pic>
-        <p:nvPicPr>
-          <p:cNvPr id="191" name="Google Shape;191;p22" descr="buildings1.jpg"/>
-          <p:cNvPicPr preferRelativeResize="0"/>
-          <p:nvPr/>
-        </p:nvPicPr>
-        <p:blipFill rotWithShape="1">
-          <a:blip r:embed="rId3">
-            <a:alphaModFix/>
-          </a:blip>
-          <a:srcRect l="51162"/>
-          <a:stretch/>
-        </p:blipFill>
-        <p:spPr>
-          <a:xfrm>
-            <a:off x="5155375" y="0"/>
-            <a:ext cx="3988624" cy="4593850"/>
-          </a:xfrm>
-          <a:prstGeom prst="rect">
-            <a:avLst/>
-          </a:prstGeom>
-          <a:noFill/>
-          <a:ln>
-            <a:noFill/>
-          </a:ln>
-        </p:spPr>
-      </p:pic>
-      <p:sp>
-        <p:nvSpPr>
           <p:cNvPr id="192" name="Google Shape;192;p22"/>
           <p:cNvSpPr txBox="1">
             <a:spLocks noGrp="1"/>
@@ -13872,10 +13820,74 @@
           </a:p>
         </p:txBody>
       </p:sp>
+      <p:pic>
+        <p:nvPicPr>
+          <p:cNvPr id="2050" name="Picture 2"/>
+          <p:cNvPicPr>
+            <a:picLocks noChangeAspect="1" noChangeArrowheads="1"/>
+          </p:cNvPicPr>
+          <p:nvPr/>
+        </p:nvPicPr>
+        <p:blipFill>
+          <a:blip r:embed="rId3">
+            <a:extLst>
+              <a:ext uri="{28A0092B-C50C-407E-A947-70E740481C1C}">
+                <a14:useLocalDpi xmlns:a14="http://schemas.microsoft.com/office/drawing/2010/main" val="0"/>
+              </a:ext>
+            </a:extLst>
+          </a:blip>
+          <a:srcRect/>
+          <a:stretch>
+            <a:fillRect/>
+          </a:stretch>
+        </p:blipFill>
+        <p:spPr bwMode="auto">
+          <a:xfrm>
+            <a:off x="611560" y="1275606"/>
+            <a:ext cx="7804150" cy="2406650"/>
+          </a:xfrm>
+          <a:prstGeom prst="rect">
+            <a:avLst/>
+          </a:prstGeom>
+          <a:noFill/>
+          <a:ln>
+            <a:noFill/>
+          </a:ln>
+          <a:effectLst/>
+          <a:extLst>
+            <a:ext uri="{909E8E84-426E-40DD-AFC4-6F175D3DCCD1}">
+              <a14:hiddenFill xmlns:a14="http://schemas.microsoft.com/office/drawing/2010/main">
+                <a:solidFill>
+                  <a:schemeClr val="accent1"/>
+                </a:solidFill>
+              </a14:hiddenFill>
+            </a:ext>
+            <a:ext uri="{91240B29-F687-4F45-9708-019B960494DF}">
+              <a14:hiddenLine xmlns:a14="http://schemas.microsoft.com/office/drawing/2010/main" w="9525">
+                <a:solidFill>
+                  <a:schemeClr val="tx1"/>
+                </a:solidFill>
+                <a:miter lim="800000"/>
+                <a:headEnd/>
+                <a:tailEnd/>
+              </a14:hiddenLine>
+            </a:ext>
+            <a:ext uri="{AF507438-7753-43E0-B8FC-AC1667EBCBE1}">
+              <a14:hiddenEffects xmlns:a14="http://schemas.microsoft.com/office/drawing/2010/main">
+                <a:effectLst>
+                  <a:outerShdw dist="35921" dir="2700000" algn="ctr" rotWithShape="0">
+                    <a:schemeClr val="bg2"/>
+                  </a:outerShdw>
+                </a:effectLst>
+              </a14:hiddenEffects>
+            </a:ext>
+          </a:extLst>
+        </p:spPr>
+      </p:pic>
     </p:spTree>
     <p:extLst>
       <p:ext uri="{BB962C8B-B14F-4D97-AF65-F5344CB8AC3E}">
-        <p14:creationId xmlns:p14="http://schemas.microsoft.com/office/powerpoint/2010/main" val="440922504"/>
+        <p14:creationId xmlns:p14="http://schemas.microsoft.com/office/powerpoint/2010/main" val="3284989200"/>
       </p:ext>
     </p:extLst>
   </p:cSld>
@@ -13938,7 +13950,7 @@
             </a:pPr>
             <a:r>
               <a:rPr lang="pl-PL" dirty="0" smtClean="0"/>
-              <a:t>REST</a:t>
+              <a:t>API</a:t>
             </a:r>
             <a:endParaRPr dirty="0"/>
           </a:p>
@@ -13980,55 +13992,12 @@
             </a:pPr>
             <a:r>
               <a:rPr lang="pl-PL" dirty="0" smtClean="0"/>
-              <a:t>REST(</a:t>
-            </a:r>
-            <a:r>
-              <a:rPr lang="pl-PL" dirty="0" err="1" smtClean="0"/>
-              <a:t>representational</a:t>
-            </a:r>
-            <a:r>
-              <a:rPr lang="pl-PL" dirty="0" smtClean="0"/>
-              <a:t> </a:t>
-            </a:r>
-            <a:r>
-              <a:rPr lang="pl-PL" dirty="0" err="1" smtClean="0"/>
-              <a:t>state</a:t>
-            </a:r>
-            <a:r>
-              <a:rPr lang="pl-PL" dirty="0" smtClean="0"/>
-              <a:t> transfer) Jest to rodzaj struktury/architektury API. Wymiana danych najczęściej odbywa się w formacie JSON, rzadziej XML.</a:t>
+              <a:t>API ma za zadanie stworzyć środowisko w którym aplikacje będą mogły się ze sobą porozumiewać. API to pewnego rodzaju standard opisujący komunikacje między aplikacjami</a:t>
             </a:r>
             <a:endParaRPr dirty="0"/>
           </a:p>
         </p:txBody>
       </p:sp>
-      <p:pic>
-        <p:nvPicPr>
-          <p:cNvPr id="191" name="Google Shape;191;p22" descr="buildings1.jpg"/>
-          <p:cNvPicPr preferRelativeResize="0"/>
-          <p:nvPr/>
-        </p:nvPicPr>
-        <p:blipFill rotWithShape="1">
-          <a:blip r:embed="rId3">
-            <a:alphaModFix/>
-          </a:blip>
-          <a:srcRect l="51162"/>
-          <a:stretch/>
-        </p:blipFill>
-        <p:spPr>
-          <a:xfrm>
-            <a:off x="5155375" y="0"/>
-            <a:ext cx="3988624" cy="4593850"/>
-          </a:xfrm>
-          <a:prstGeom prst="rect">
-            <a:avLst/>
-          </a:prstGeom>
-          <a:noFill/>
-          <a:ln>
-            <a:noFill/>
-          </a:ln>
-        </p:spPr>
-      </p:pic>
       <p:sp>
         <p:nvSpPr>
           <p:cNvPr id="192" name="Google Shape;192;p22"/>
@@ -14074,7 +14043,7 @@
     </p:spTree>
     <p:extLst>
       <p:ext uri="{BB962C8B-B14F-4D97-AF65-F5344CB8AC3E}">
-        <p14:creationId xmlns:p14="http://schemas.microsoft.com/office/powerpoint/2010/main" val="1023873067"/>
+        <p14:creationId xmlns:p14="http://schemas.microsoft.com/office/powerpoint/2010/main" val="440922504"/>
       </p:ext>
     </p:extLst>
   </p:cSld>
@@ -14137,7 +14106,7 @@
             </a:pPr>
             <a:r>
               <a:rPr lang="pl-PL" dirty="0" smtClean="0"/>
-              <a:t>REST API</a:t>
+              <a:t>REST</a:t>
             </a:r>
             <a:endParaRPr dirty="0"/>
           </a:p>
@@ -14155,8 +14124,8 @@
         </p:nvSpPr>
         <p:spPr>
           <a:xfrm>
-            <a:off x="179512" y="1200150"/>
-            <a:ext cx="4320480" cy="2946300"/>
+            <a:off x="323528" y="1203598"/>
+            <a:ext cx="4680520" cy="2946300"/>
           </a:xfrm>
           <a:prstGeom prst="rect">
             <a:avLst/>
@@ -14168,90 +14137,36 @@
           </a:bodyPr>
           <a:lstStyle/>
           <a:p>
-            <a:pPr lvl="0">
-              <a:spcBef>
-                <a:spcPts val="0"/>
-              </a:spcBef>
+            <a:pPr marL="0" lvl="0" indent="0" algn="l" rtl="0">
+              <a:spcBef>
+                <a:spcPts val="600"/>
+              </a:spcBef>
+              <a:spcAft>
+                <a:spcPts val="0"/>
+              </a:spcAft>
+              <a:buNone/>
             </a:pPr>
             <a:r>
               <a:rPr lang="pl-PL" dirty="0" smtClean="0"/>
-              <a:t>Statyczność – TCP/IP</a:t>
+              <a:t>REST(</a:t>
             </a:r>
-          </a:p>
-          <a:p>
-            <a:pPr lvl="0">
-              <a:spcBef>
-                <a:spcPts val="0"/>
-              </a:spcBef>
-            </a:pPr>
+            <a:r>
+              <a:rPr lang="pl-PL" dirty="0" err="1" smtClean="0"/>
+              <a:t>representational</a:t>
+            </a:r>
             <a:r>
               <a:rPr lang="pl-PL" dirty="0" smtClean="0"/>
-              <a:t>Jednolitość interfejsu</a:t>
+              <a:t> </a:t>
             </a:r>
-          </a:p>
-          <a:p>
-            <a:pPr lvl="0">
-              <a:spcBef>
-                <a:spcPts val="0"/>
-              </a:spcBef>
-            </a:pPr>
             <a:r>
               <a:rPr lang="pl-PL" dirty="0" err="1" smtClean="0"/>
-              <a:t>Cacheable</a:t>
+              <a:t>state</a:t>
             </a:r>
-            <a:endParaRPr lang="pl-PL" dirty="0" smtClean="0"/>
-          </a:p>
-          <a:p>
-            <a:pPr lvl="0">
-              <a:spcBef>
-                <a:spcPts val="0"/>
-              </a:spcBef>
-            </a:pPr>
             <a:r>
               <a:rPr lang="pl-PL" dirty="0" smtClean="0"/>
-              <a:t>Klient-Serwer</a:t>
+              <a:t> transfer) Jest to rodzaj struktury/architektury API. Wymiana danych najczęściej odbywa się w formacie JSON, rzadziej XML.</a:t>
             </a:r>
-          </a:p>
-          <a:p>
-            <a:pPr lvl="0">
-              <a:spcBef>
-                <a:spcPts val="0"/>
-              </a:spcBef>
-            </a:pPr>
-            <a:r>
-              <a:rPr lang="pl-PL" dirty="0" smtClean="0"/>
-              <a:t>Warstwowość</a:t>
-            </a:r>
-          </a:p>
-          <a:p>
-            <a:pPr lvl="0">
-              <a:spcBef>
-                <a:spcPts val="0"/>
-              </a:spcBef>
-            </a:pPr>
-            <a:r>
-              <a:rPr lang="pl-PL" dirty="0" smtClean="0"/>
-              <a:t>Kod na żądanie</a:t>
-            </a:r>
-            <a:endParaRPr lang="pl-PL" dirty="0"/>
-          </a:p>
-          <a:p>
-            <a:pPr marL="76200" lvl="0" indent="0">
-              <a:spcBef>
-                <a:spcPts val="0"/>
-              </a:spcBef>
-              <a:buNone/>
-            </a:pPr>
-            <a:endParaRPr lang="pl-PL" dirty="0" smtClean="0"/>
-          </a:p>
-          <a:p>
-            <a:pPr marL="76200" lvl="0" indent="0">
-              <a:spcBef>
-                <a:spcPts val="0"/>
-              </a:spcBef>
-              <a:buNone/>
-            </a:pPr>
-            <a:endParaRPr lang="pl-PL" dirty="0" smtClean="0"/>
+            <a:endParaRPr dirty="0"/>
           </a:p>
         </p:txBody>
       </p:sp>
@@ -14300,7 +14215,7 @@
     </p:spTree>
     <p:extLst>
       <p:ext uri="{BB962C8B-B14F-4D97-AF65-F5344CB8AC3E}">
-        <p14:creationId xmlns:p14="http://schemas.microsoft.com/office/powerpoint/2010/main" val="1243380084"/>
+        <p14:creationId xmlns:p14="http://schemas.microsoft.com/office/powerpoint/2010/main" val="1023873067"/>
       </p:ext>
     </p:extLst>
   </p:cSld>
@@ -14381,8 +14296,8 @@
         </p:nvSpPr>
         <p:spPr>
           <a:xfrm>
-            <a:off x="323528" y="1203598"/>
-            <a:ext cx="4680520" cy="2946300"/>
+            <a:off x="179512" y="1200150"/>
+            <a:ext cx="4320480" cy="2946300"/>
           </a:xfrm>
           <a:prstGeom prst="rect">
             <a:avLst/>
@@ -14394,50 +14309,93 @@
           </a:bodyPr>
           <a:lstStyle/>
           <a:p>
-            <a:pPr marL="0" lvl="0" indent="0" algn="l" rtl="0">
-              <a:spcBef>
-                <a:spcPts val="600"/>
-              </a:spcBef>
-              <a:spcAft>
-                <a:spcPts val="0"/>
-              </a:spcAft>
-              <a:buNone/>
+            <a:pPr lvl="0">
+              <a:spcBef>
+                <a:spcPts val="0"/>
+              </a:spcBef>
             </a:pPr>
             <a:r>
               <a:rPr lang="pl-PL" dirty="0" smtClean="0"/>
-              <a:t>To po prostu zbiór odpowiedzi/reakcji w zależności od URI oraz metody HTTP jaka została wykonana</a:t>
+              <a:t>Statyczność – TCP/IP</a:t>
             </a:r>
-            <a:endParaRPr dirty="0"/>
+          </a:p>
+          <a:p>
+            <a:pPr lvl="0">
+              <a:spcBef>
+                <a:spcPts val="0"/>
+              </a:spcBef>
+            </a:pPr>
+            <a:r>
+              <a:rPr lang="pl-PL" dirty="0" smtClean="0"/>
+              <a:t>Jednolitość interfejsu</a:t>
+            </a:r>
+          </a:p>
+          <a:p>
+            <a:pPr lvl="0">
+              <a:spcBef>
+                <a:spcPts val="0"/>
+              </a:spcBef>
+            </a:pPr>
+            <a:r>
+              <a:rPr lang="pl-PL" dirty="0" err="1" smtClean="0"/>
+              <a:t>Cacheable</a:t>
+            </a:r>
+            <a:endParaRPr lang="pl-PL" dirty="0" smtClean="0"/>
+          </a:p>
+          <a:p>
+            <a:pPr lvl="0">
+              <a:spcBef>
+                <a:spcPts val="0"/>
+              </a:spcBef>
+            </a:pPr>
+            <a:r>
+              <a:rPr lang="pl-PL" dirty="0" smtClean="0"/>
+              <a:t>Klient-Serwer</a:t>
+            </a:r>
+          </a:p>
+          <a:p>
+            <a:pPr lvl="0">
+              <a:spcBef>
+                <a:spcPts val="0"/>
+              </a:spcBef>
+            </a:pPr>
+            <a:r>
+              <a:rPr lang="pl-PL" dirty="0" smtClean="0"/>
+              <a:t>Warstwowość</a:t>
+            </a:r>
+          </a:p>
+          <a:p>
+            <a:pPr lvl="0">
+              <a:spcBef>
+                <a:spcPts val="0"/>
+              </a:spcBef>
+            </a:pPr>
+            <a:r>
+              <a:rPr lang="pl-PL" dirty="0" smtClean="0"/>
+              <a:t>Kod na żądanie</a:t>
+            </a:r>
+            <a:endParaRPr lang="pl-PL" dirty="0"/>
+          </a:p>
+          <a:p>
+            <a:pPr marL="76200" lvl="0" indent="0">
+              <a:spcBef>
+                <a:spcPts val="0"/>
+              </a:spcBef>
+              <a:buNone/>
+            </a:pPr>
+            <a:endParaRPr lang="pl-PL" dirty="0" smtClean="0"/>
+          </a:p>
+          <a:p>
+            <a:pPr marL="76200" lvl="0" indent="0">
+              <a:spcBef>
+                <a:spcPts val="0"/>
+              </a:spcBef>
+              <a:buNone/>
+            </a:pPr>
+            <a:endParaRPr lang="pl-PL" dirty="0" smtClean="0"/>
           </a:p>
         </p:txBody>
       </p:sp>
-      <p:pic>
-        <p:nvPicPr>
-          <p:cNvPr id="191" name="Google Shape;191;p22" descr="buildings1.jpg"/>
-          <p:cNvPicPr preferRelativeResize="0"/>
-          <p:nvPr/>
-        </p:nvPicPr>
-        <p:blipFill rotWithShape="1">
-          <a:blip r:embed="rId3">
-            <a:alphaModFix/>
-          </a:blip>
-          <a:srcRect l="51162"/>
-          <a:stretch/>
-        </p:blipFill>
-        <p:spPr>
-          <a:xfrm>
-            <a:off x="5155375" y="0"/>
-            <a:ext cx="3988624" cy="4593850"/>
-          </a:xfrm>
-          <a:prstGeom prst="rect">
-            <a:avLst/>
-          </a:prstGeom>
-          <a:noFill/>
-          <a:ln>
-            <a:noFill/>
-          </a:ln>
-        </p:spPr>
-      </p:pic>
       <p:sp>
         <p:nvSpPr>
           <p:cNvPr id="192" name="Google Shape;192;p22"/>
@@ -14483,7 +14441,7 @@
     </p:spTree>
     <p:extLst>
       <p:ext uri="{BB962C8B-B14F-4D97-AF65-F5344CB8AC3E}">
-        <p14:creationId xmlns:p14="http://schemas.microsoft.com/office/powerpoint/2010/main" val="3731679973"/>
+        <p14:creationId xmlns:p14="http://schemas.microsoft.com/office/powerpoint/2010/main" val="1243380084"/>
       </p:ext>
     </p:extLst>
   </p:cSld>
@@ -14546,11 +14504,7 @@
             </a:pPr>
             <a:r>
               <a:rPr lang="pl-PL" dirty="0" smtClean="0"/>
-              <a:t>Przyspieszony kurs </a:t>
-            </a:r>
-            <a:r>
-              <a:rPr lang="pl-PL" dirty="0" err="1" smtClean="0"/>
-              <a:t>Flask</a:t>
+              <a:t>REST API</a:t>
             </a:r>
             <a:endParaRPr dirty="0"/>
           </a:p>
@@ -14591,44 +14545,13 @@
               <a:buNone/>
             </a:pPr>
             <a:r>
-              <a:rPr lang="pl-PL" dirty="0" err="1" smtClean="0"/>
-              <a:t>Flask</a:t>
-            </a:r>
-            <a:r>
               <a:rPr lang="pl-PL" dirty="0" smtClean="0"/>
-              <a:t> jest to framework znacznie upraszczający tworzenie aplikacji webowych, zapewniający przejrzysty schemat łączenia adresów URL, danych, widoków i szablonów</a:t>
+              <a:t>To po prostu zbiór odpowiedzi/reakcji w zależności od URI oraz metody HTTP jaka została wykonana</a:t>
             </a:r>
             <a:endParaRPr dirty="0"/>
           </a:p>
         </p:txBody>
       </p:sp>
-      <p:pic>
-        <p:nvPicPr>
-          <p:cNvPr id="191" name="Google Shape;191;p22" descr="buildings1.jpg"/>
-          <p:cNvPicPr preferRelativeResize="0"/>
-          <p:nvPr/>
-        </p:nvPicPr>
-        <p:blipFill rotWithShape="1">
-          <a:blip r:embed="rId3">
-            <a:alphaModFix/>
-          </a:blip>
-          <a:srcRect l="51162"/>
-          <a:stretch/>
-        </p:blipFill>
-        <p:spPr>
-          <a:xfrm>
-            <a:off x="5155375" y="0"/>
-            <a:ext cx="3988624" cy="4593850"/>
-          </a:xfrm>
-          <a:prstGeom prst="rect">
-            <a:avLst/>
-          </a:prstGeom>
-          <a:noFill/>
-          <a:ln>
-            <a:noFill/>
-          </a:ln>
-        </p:spPr>
-      </p:pic>
       <p:sp>
         <p:nvSpPr>
           <p:cNvPr id="192" name="Google Shape;192;p22"/>
@@ -14674,7 +14597,7 @@
     </p:spTree>
     <p:extLst>
       <p:ext uri="{BB962C8B-B14F-4D97-AF65-F5344CB8AC3E}">
-        <p14:creationId xmlns:p14="http://schemas.microsoft.com/office/powerpoint/2010/main" val="4070755351"/>
+        <p14:creationId xmlns:p14="http://schemas.microsoft.com/office/powerpoint/2010/main" val="3731679973"/>
       </p:ext>
     </p:extLst>
   </p:cSld>
@@ -14738,6 +14661,561 @@
             <a:fld id="{00000000-1234-1234-1234-123412341234}" type="slidenum">
               <a:rPr lang="en"/>
               <a:t>28</a:t>
+            </a:fld>
+            <a:endParaRPr/>
+          </a:p>
+        </p:txBody>
+      </p:sp>
+      <p:pic>
+        <p:nvPicPr>
+          <p:cNvPr id="7" name="Picture 2"/>
+          <p:cNvPicPr>
+            <a:picLocks noChangeAspect="1" noChangeArrowheads="1"/>
+          </p:cNvPicPr>
+          <p:nvPr/>
+        </p:nvPicPr>
+        <p:blipFill>
+          <a:blip r:embed="rId3">
+            <a:extLst>
+              <a:ext uri="{28A0092B-C50C-407E-A947-70E740481C1C}">
+                <a14:useLocalDpi xmlns:a14="http://schemas.microsoft.com/office/drawing/2010/main" val="0"/>
+              </a:ext>
+            </a:extLst>
+          </a:blip>
+          <a:srcRect/>
+          <a:stretch>
+            <a:fillRect/>
+          </a:stretch>
+        </p:blipFill>
+        <p:spPr bwMode="auto">
+          <a:xfrm>
+            <a:off x="1920875" y="1511300"/>
+            <a:ext cx="5302250" cy="2120900"/>
+          </a:xfrm>
+          <a:prstGeom prst="rect">
+            <a:avLst/>
+          </a:prstGeom>
+          <a:noFill/>
+          <a:ln>
+            <a:noFill/>
+          </a:ln>
+          <a:effectLst/>
+          <a:extLst>
+            <a:ext uri="{909E8E84-426E-40DD-AFC4-6F175D3DCCD1}">
+              <a14:hiddenFill xmlns:a14="http://schemas.microsoft.com/office/drawing/2010/main">
+                <a:solidFill>
+                  <a:schemeClr val="accent1"/>
+                </a:solidFill>
+              </a14:hiddenFill>
+            </a:ext>
+            <a:ext uri="{91240B29-F687-4F45-9708-019B960494DF}">
+              <a14:hiddenLine xmlns:a14="http://schemas.microsoft.com/office/drawing/2010/main" w="9525">
+                <a:solidFill>
+                  <a:schemeClr val="tx1"/>
+                </a:solidFill>
+                <a:miter lim="800000"/>
+                <a:headEnd/>
+                <a:tailEnd/>
+              </a14:hiddenLine>
+            </a:ext>
+            <a:ext uri="{AF507438-7753-43E0-B8FC-AC1667EBCBE1}">
+              <a14:hiddenEffects xmlns:a14="http://schemas.microsoft.com/office/drawing/2010/main">
+                <a:effectLst>
+                  <a:outerShdw dist="35921" dir="2700000" algn="ctr" rotWithShape="0">
+                    <a:schemeClr val="bg2"/>
+                  </a:outerShdw>
+                </a:effectLst>
+              </a14:hiddenEffects>
+            </a:ext>
+          </a:extLst>
+        </p:spPr>
+      </p:pic>
+    </p:spTree>
+    <p:extLst>
+      <p:ext uri="{BB962C8B-B14F-4D97-AF65-F5344CB8AC3E}">
+        <p14:creationId xmlns:p14="http://schemas.microsoft.com/office/powerpoint/2010/main" val="1152498692"/>
+      </p:ext>
+    </p:extLst>
+  </p:cSld>
+  <p:clrMapOvr>
+    <a:masterClrMapping/>
+  </p:clrMapOvr>
+</p:sld>
+</file>
+
+<file path=ppt/slides/slide29.xml><?xml version="1.0" encoding="utf-8"?>
+<p:sld xmlns:a="http://schemas.openxmlformats.org/drawingml/2006/main" xmlns:r="http://schemas.openxmlformats.org/officeDocument/2006/relationships" xmlns:p="http://schemas.openxmlformats.org/presentationml/2006/main">
+  <p:cSld>
+    <p:spTree>
+      <p:nvGrpSpPr>
+        <p:cNvPr id="1" name="Shape 188"/>
+        <p:cNvGrpSpPr/>
+        <p:nvPr/>
+      </p:nvGrpSpPr>
+      <p:grpSpPr>
+        <a:xfrm>
+          <a:off x="0" y="0"/>
+          <a:ext cx="0" cy="0"/>
+          <a:chOff x="0" y="0"/>
+          <a:chExt cx="0" cy="0"/>
+        </a:xfrm>
+      </p:grpSpPr>
+      <p:sp>
+        <p:nvSpPr>
+          <p:cNvPr id="189" name="Google Shape;189;p22"/>
+          <p:cNvSpPr txBox="1">
+            <a:spLocks noGrp="1"/>
+          </p:cNvSpPr>
+          <p:nvPr>
+            <p:ph type="title"/>
+          </p:nvPr>
+        </p:nvSpPr>
+        <p:spPr>
+          <a:xfrm>
+            <a:off x="549600" y="361375"/>
+            <a:ext cx="3740400" cy="549600"/>
+          </a:xfrm>
+          <a:prstGeom prst="rect">
+            <a:avLst/>
+          </a:prstGeom>
+        </p:spPr>
+        <p:txBody>
+          <a:bodyPr spcFirstLastPara="1" wrap="square" lIns="91425" tIns="91425" rIns="91425" bIns="91425" anchor="b" anchorCtr="0">
+            <a:noAutofit/>
+          </a:bodyPr>
+          <a:lstStyle/>
+          <a:p>
+            <a:pPr marL="0" lvl="0" indent="0" algn="l" rtl="0">
+              <a:spcBef>
+                <a:spcPts val="0"/>
+              </a:spcBef>
+              <a:spcAft>
+                <a:spcPts val="0"/>
+              </a:spcAft>
+              <a:buNone/>
+            </a:pPr>
+            <a:r>
+              <a:rPr lang="pl-PL" dirty="0" smtClean="0"/>
+              <a:t>Przyspieszony kurs </a:t>
+            </a:r>
+            <a:r>
+              <a:rPr lang="pl-PL" dirty="0" err="1" smtClean="0"/>
+              <a:t>Flask</a:t>
+            </a:r>
+            <a:endParaRPr dirty="0"/>
+          </a:p>
+        </p:txBody>
+      </p:sp>
+      <p:sp>
+        <p:nvSpPr>
+          <p:cNvPr id="190" name="Google Shape;190;p22"/>
+          <p:cNvSpPr txBox="1">
+            <a:spLocks noGrp="1"/>
+          </p:cNvSpPr>
+          <p:nvPr>
+            <p:ph type="body" idx="1"/>
+          </p:nvPr>
+        </p:nvSpPr>
+        <p:spPr>
+          <a:xfrm>
+            <a:off x="323528" y="1203598"/>
+            <a:ext cx="4680520" cy="2946300"/>
+          </a:xfrm>
+          <a:prstGeom prst="rect">
+            <a:avLst/>
+          </a:prstGeom>
+        </p:spPr>
+        <p:txBody>
+          <a:bodyPr spcFirstLastPara="1" wrap="square" lIns="91425" tIns="91425" rIns="91425" bIns="91425" anchor="t" anchorCtr="0">
+            <a:noAutofit/>
+          </a:bodyPr>
+          <a:lstStyle/>
+          <a:p>
+            <a:pPr marL="0" lvl="0" indent="0" algn="l" rtl="0">
+              <a:spcBef>
+                <a:spcPts val="600"/>
+              </a:spcBef>
+              <a:spcAft>
+                <a:spcPts val="0"/>
+              </a:spcAft>
+              <a:buNone/>
+            </a:pPr>
+            <a:r>
+              <a:rPr lang="pl-PL" dirty="0" err="1" smtClean="0"/>
+              <a:t>Flask</a:t>
+            </a:r>
+            <a:r>
+              <a:rPr lang="pl-PL" dirty="0" smtClean="0"/>
+              <a:t> jest to framework znacznie upraszczający tworzenie aplikacji webowych, zapewniający przejrzysty schemat łączenia adresów URL, danych, widoków i szablonów</a:t>
+            </a:r>
+            <a:endParaRPr dirty="0"/>
+          </a:p>
+        </p:txBody>
+      </p:sp>
+      <p:sp>
+        <p:nvSpPr>
+          <p:cNvPr id="192" name="Google Shape;192;p22"/>
+          <p:cNvSpPr txBox="1">
+            <a:spLocks noGrp="1"/>
+          </p:cNvSpPr>
+          <p:nvPr>
+            <p:ph type="sldNum" idx="12"/>
+          </p:nvPr>
+        </p:nvSpPr>
+        <p:spPr>
+          <a:xfrm>
+            <a:off x="8046600" y="4593850"/>
+            <a:ext cx="1097400" cy="549600"/>
+          </a:xfrm>
+          <a:prstGeom prst="rect">
+            <a:avLst/>
+          </a:prstGeom>
+        </p:spPr>
+        <p:txBody>
+          <a:bodyPr spcFirstLastPara="1" wrap="square" lIns="91425" tIns="91425" rIns="91425" bIns="91425" anchor="ctr" anchorCtr="0">
+            <a:noAutofit/>
+          </a:bodyPr>
+          <a:lstStyle/>
+          <a:p>
+            <a:pPr marL="0" lvl="0" indent="0" algn="ctr" rtl="0">
+              <a:spcBef>
+                <a:spcPts val="0"/>
+              </a:spcBef>
+              <a:spcAft>
+                <a:spcPts val="0"/>
+              </a:spcAft>
+              <a:buNone/>
+            </a:pPr>
+            <a:fld id="{00000000-1234-1234-1234-123412341234}" type="slidenum">
+              <a:rPr lang="en"/>
+              <a:t>29</a:t>
+            </a:fld>
+            <a:endParaRPr/>
+          </a:p>
+        </p:txBody>
+      </p:sp>
+    </p:spTree>
+    <p:extLst>
+      <p:ext uri="{BB962C8B-B14F-4D97-AF65-F5344CB8AC3E}">
+        <p14:creationId xmlns:p14="http://schemas.microsoft.com/office/powerpoint/2010/main" val="4070755351"/>
+      </p:ext>
+    </p:extLst>
+  </p:cSld>
+  <p:clrMapOvr>
+    <a:masterClrMapping/>
+  </p:clrMapOvr>
+</p:sld>
+</file>
+
+<file path=ppt/slides/slide3.xml><?xml version="1.0" encoding="utf-8"?>
+<p:sld xmlns:a="http://schemas.openxmlformats.org/drawingml/2006/main" xmlns:r="http://schemas.openxmlformats.org/officeDocument/2006/relationships" xmlns:p="http://schemas.openxmlformats.org/presentationml/2006/main">
+  <p:cSld>
+    <p:spTree>
+      <p:nvGrpSpPr>
+        <p:cNvPr id="1" name="Shape 143"/>
+        <p:cNvGrpSpPr/>
+        <p:nvPr/>
+      </p:nvGrpSpPr>
+      <p:grpSpPr>
+        <a:xfrm>
+          <a:off x="0" y="0"/>
+          <a:ext cx="0" cy="0"/>
+          <a:chOff x="0" y="0"/>
+          <a:chExt cx="0" cy="0"/>
+        </a:xfrm>
+      </p:grpSpPr>
+      <p:sp>
+        <p:nvSpPr>
+          <p:cNvPr id="144" name="Google Shape;144;p18"/>
+          <p:cNvSpPr txBox="1">
+            <a:spLocks noGrp="1"/>
+          </p:cNvSpPr>
+          <p:nvPr>
+            <p:ph type="title"/>
+          </p:nvPr>
+        </p:nvSpPr>
+        <p:spPr>
+          <a:xfrm>
+            <a:off x="549600" y="361375"/>
+            <a:ext cx="7497000" cy="549600"/>
+          </a:xfrm>
+          <a:prstGeom prst="rect">
+            <a:avLst/>
+          </a:prstGeom>
+        </p:spPr>
+        <p:txBody>
+          <a:bodyPr spcFirstLastPara="1" wrap="square" lIns="91425" tIns="91425" rIns="91425" bIns="91425" anchor="b" anchorCtr="0">
+            <a:noAutofit/>
+          </a:bodyPr>
+          <a:lstStyle/>
+          <a:p>
+            <a:pPr marL="0" lvl="0" indent="0" algn="l" rtl="0">
+              <a:spcBef>
+                <a:spcPts val="0"/>
+              </a:spcBef>
+              <a:spcAft>
+                <a:spcPts val="0"/>
+              </a:spcAft>
+              <a:buNone/>
+            </a:pPr>
+            <a:r>
+              <a:rPr lang="pl-PL" dirty="0" smtClean="0"/>
+              <a:t>Pomysł</a:t>
+            </a:r>
+            <a:endParaRPr dirty="0"/>
+          </a:p>
+        </p:txBody>
+      </p:sp>
+      <p:sp>
+        <p:nvSpPr>
+          <p:cNvPr id="145" name="Google Shape;145;p18"/>
+          <p:cNvSpPr txBox="1">
+            <a:spLocks noGrp="1"/>
+          </p:cNvSpPr>
+          <p:nvPr>
+            <p:ph type="body" idx="1"/>
+          </p:nvPr>
+        </p:nvSpPr>
+        <p:spPr>
+          <a:xfrm>
+            <a:off x="549600" y="1200150"/>
+            <a:ext cx="7497000" cy="2946300"/>
+          </a:xfrm>
+          <a:prstGeom prst="rect">
+            <a:avLst/>
+          </a:prstGeom>
+        </p:spPr>
+        <p:txBody>
+          <a:bodyPr spcFirstLastPara="1" wrap="square" lIns="91425" tIns="91425" rIns="91425" bIns="91425" anchor="t" anchorCtr="0">
+            <a:noAutofit/>
+          </a:bodyPr>
+          <a:lstStyle/>
+          <a:p>
+            <a:pPr marL="457200" lvl="0" indent="-381000" algn="l" rtl="0">
+              <a:spcBef>
+                <a:spcPts val="0"/>
+              </a:spcBef>
+              <a:spcAft>
+                <a:spcPts val="0"/>
+              </a:spcAft>
+              <a:buSzPts val="2400"/>
+              <a:buChar char="▪"/>
+            </a:pPr>
+            <a:r>
+              <a:rPr lang="pl-PL" dirty="0" smtClean="0"/>
+              <a:t>Prosta zasada/funkcjonalność</a:t>
+            </a:r>
+            <a:endParaRPr lang="pl-PL" dirty="0"/>
+          </a:p>
+          <a:p>
+            <a:pPr marL="457200" lvl="0" indent="-381000" algn="l" rtl="0">
+              <a:spcBef>
+                <a:spcPts val="0"/>
+              </a:spcBef>
+              <a:spcAft>
+                <a:spcPts val="0"/>
+              </a:spcAft>
+              <a:buSzPts val="2400"/>
+              <a:buChar char="▪"/>
+            </a:pPr>
+            <a:r>
+              <a:rPr lang="pl-PL" dirty="0" smtClean="0"/>
+              <a:t>Możliwość rozbudowy</a:t>
+            </a:r>
+          </a:p>
+          <a:p>
+            <a:pPr marL="457200" lvl="0" indent="-381000" algn="l" rtl="0">
+              <a:spcBef>
+                <a:spcPts val="0"/>
+              </a:spcBef>
+              <a:spcAft>
+                <a:spcPts val="0"/>
+              </a:spcAft>
+              <a:buSzPts val="2400"/>
+              <a:buChar char="▪"/>
+            </a:pPr>
+            <a:r>
+              <a:rPr lang="pl-PL" dirty="0" smtClean="0"/>
+              <a:t>Historia cen</a:t>
+            </a:r>
+          </a:p>
+          <a:p>
+            <a:pPr marL="457200" lvl="0" indent="-381000" algn="l" rtl="0">
+              <a:spcBef>
+                <a:spcPts val="0"/>
+              </a:spcBef>
+              <a:spcAft>
+                <a:spcPts val="0"/>
+              </a:spcAft>
+              <a:buSzPts val="2400"/>
+              <a:buChar char="▪"/>
+            </a:pPr>
+            <a:r>
+              <a:rPr lang="pl-PL" dirty="0" smtClean="0"/>
+              <a:t>Logowanie/rejestracja</a:t>
+            </a:r>
+            <a:endParaRPr dirty="0"/>
+          </a:p>
+          <a:p>
+            <a:pPr marL="0" lvl="0" indent="0" algn="l" rtl="0">
+              <a:spcBef>
+                <a:spcPts val="600"/>
+              </a:spcBef>
+              <a:spcAft>
+                <a:spcPts val="0"/>
+              </a:spcAft>
+              <a:buNone/>
+            </a:pPr>
+            <a:endParaRPr lang="pl-PL" dirty="0" smtClean="0"/>
+          </a:p>
+          <a:p>
+            <a:pPr marL="0" lvl="0" indent="0" algn="l" rtl="0">
+              <a:spcBef>
+                <a:spcPts val="600"/>
+              </a:spcBef>
+              <a:spcAft>
+                <a:spcPts val="0"/>
+              </a:spcAft>
+              <a:buNone/>
+            </a:pPr>
+            <a:r>
+              <a:rPr lang="pl-PL" dirty="0" smtClean="0"/>
+              <a:t>Czy to wszystko ma sens?</a:t>
+            </a:r>
+          </a:p>
+          <a:p>
+            <a:pPr marL="0" lvl="0" indent="0" algn="l" rtl="0">
+              <a:spcBef>
+                <a:spcPts val="600"/>
+              </a:spcBef>
+              <a:spcAft>
+                <a:spcPts val="0"/>
+              </a:spcAft>
+              <a:buNone/>
+            </a:pPr>
+            <a:r>
+              <a:rPr lang="pl-PL" dirty="0" err="1" smtClean="0"/>
+              <a:t>c.d.n</a:t>
+            </a:r>
+            <a:r>
+              <a:rPr lang="pl-PL" dirty="0" smtClean="0"/>
+              <a:t>…..</a:t>
+            </a:r>
+            <a:endParaRPr dirty="0"/>
+          </a:p>
+        </p:txBody>
+      </p:sp>
+      <p:sp>
+        <p:nvSpPr>
+          <p:cNvPr id="146" name="Google Shape;146;p18"/>
+          <p:cNvSpPr txBox="1">
+            <a:spLocks noGrp="1"/>
+          </p:cNvSpPr>
+          <p:nvPr>
+            <p:ph type="sldNum" idx="12"/>
+          </p:nvPr>
+        </p:nvSpPr>
+        <p:spPr>
+          <a:xfrm>
+            <a:off x="8046600" y="4593850"/>
+            <a:ext cx="1097400" cy="549600"/>
+          </a:xfrm>
+          <a:prstGeom prst="rect">
+            <a:avLst/>
+          </a:prstGeom>
+        </p:spPr>
+        <p:txBody>
+          <a:bodyPr spcFirstLastPara="1" wrap="square" lIns="91425" tIns="91425" rIns="91425" bIns="91425" anchor="ctr" anchorCtr="0">
+            <a:noAutofit/>
+          </a:bodyPr>
+          <a:lstStyle/>
+          <a:p>
+            <a:pPr marL="0" lvl="0" indent="0" algn="ctr" rtl="0">
+              <a:spcBef>
+                <a:spcPts val="0"/>
+              </a:spcBef>
+              <a:spcAft>
+                <a:spcPts val="0"/>
+              </a:spcAft>
+              <a:buNone/>
+            </a:pPr>
+            <a:fld id="{00000000-1234-1234-1234-123412341234}" type="slidenum">
+              <a:rPr lang="en"/>
+              <a:t>3</a:t>
+            </a:fld>
+            <a:endParaRPr/>
+          </a:p>
+        </p:txBody>
+      </p:sp>
+    </p:spTree>
+  </p:cSld>
+  <p:clrMapOvr>
+    <a:masterClrMapping/>
+  </p:clrMapOvr>
+  <p:timing>
+    <p:tnLst>
+      <p:par>
+        <p:cTn id="1" dur="indefinite" restart="never" nodeType="tmRoot"/>
+      </p:par>
+    </p:tnLst>
+  </p:timing>
+</p:sld>
+</file>
+
+<file path=ppt/slides/slide30.xml><?xml version="1.0" encoding="utf-8"?>
+<p:sld xmlns:a="http://schemas.openxmlformats.org/drawingml/2006/main" xmlns:r="http://schemas.openxmlformats.org/officeDocument/2006/relationships" xmlns:p="http://schemas.openxmlformats.org/presentationml/2006/main">
+  <p:cSld>
+    <p:spTree>
+      <p:nvGrpSpPr>
+        <p:cNvPr id="1" name="Shape 188"/>
+        <p:cNvGrpSpPr/>
+        <p:nvPr/>
+      </p:nvGrpSpPr>
+      <p:grpSpPr>
+        <a:xfrm>
+          <a:off x="0" y="0"/>
+          <a:ext cx="0" cy="0"/>
+          <a:chOff x="0" y="0"/>
+          <a:chExt cx="0" cy="0"/>
+        </a:xfrm>
+      </p:grpSpPr>
+      <p:sp>
+        <p:nvSpPr>
+          <p:cNvPr id="192" name="Google Shape;192;p22"/>
+          <p:cNvSpPr txBox="1">
+            <a:spLocks noGrp="1"/>
+          </p:cNvSpPr>
+          <p:nvPr>
+            <p:ph type="sldNum" idx="12"/>
+          </p:nvPr>
+        </p:nvSpPr>
+        <p:spPr>
+          <a:xfrm>
+            <a:off x="8046600" y="4593850"/>
+            <a:ext cx="1097400" cy="549600"/>
+          </a:xfrm>
+          <a:prstGeom prst="rect">
+            <a:avLst/>
+          </a:prstGeom>
+        </p:spPr>
+        <p:txBody>
+          <a:bodyPr spcFirstLastPara="1" wrap="square" lIns="91425" tIns="91425" rIns="91425" bIns="91425" anchor="ctr" anchorCtr="0">
+            <a:noAutofit/>
+          </a:bodyPr>
+          <a:lstStyle/>
+          <a:p>
+            <a:pPr marL="0" lvl="0" indent="0" algn="ctr" rtl="0">
+              <a:spcBef>
+                <a:spcPts val="0"/>
+              </a:spcBef>
+              <a:spcAft>
+                <a:spcPts val="0"/>
+              </a:spcAft>
+              <a:buNone/>
+            </a:pPr>
+            <a:fld id="{00000000-1234-1234-1234-123412341234}" type="slidenum">
+              <a:rPr lang="en"/>
+              <a:t>30</a:t>
             </a:fld>
             <a:endParaRPr/>
           </a:p>
@@ -14862,7 +15340,7 @@
 </p:sld>
 </file>
 
-<file path=ppt/slides/slide29.xml><?xml version="1.0" encoding="utf-8"?>
+<file path=ppt/slides/slide31.xml><?xml version="1.0" encoding="utf-8"?>
 <p:sld xmlns:a="http://schemas.openxmlformats.org/drawingml/2006/main" xmlns:r="http://schemas.openxmlformats.org/officeDocument/2006/relationships" xmlns:p="http://schemas.openxmlformats.org/presentationml/2006/main">
   <p:cSld>
     <p:spTree>
@@ -14915,7 +15393,7 @@
             </a:pPr>
             <a:fld id="{00000000-1234-1234-1234-123412341234}" type="slidenum">
               <a:rPr lang="en"/>
-              <a:t>29</a:t>
+              <a:t>31</a:t>
             </a:fld>
             <a:endParaRPr/>
           </a:p>
@@ -15040,297 +15518,7 @@
 </p:sld>
 </file>
 
-<file path=ppt/slides/slide3.xml><?xml version="1.0" encoding="utf-8"?>
-<p:sld xmlns:a="http://schemas.openxmlformats.org/drawingml/2006/main" xmlns:r="http://schemas.openxmlformats.org/officeDocument/2006/relationships" xmlns:p="http://schemas.openxmlformats.org/presentationml/2006/main">
-  <p:cSld>
-    <p:spTree>
-      <p:nvGrpSpPr>
-        <p:cNvPr id="1" name="Shape 143"/>
-        <p:cNvGrpSpPr/>
-        <p:nvPr/>
-      </p:nvGrpSpPr>
-      <p:grpSpPr>
-        <a:xfrm>
-          <a:off x="0" y="0"/>
-          <a:ext cx="0" cy="0"/>
-          <a:chOff x="0" y="0"/>
-          <a:chExt cx="0" cy="0"/>
-        </a:xfrm>
-      </p:grpSpPr>
-      <p:sp>
-        <p:nvSpPr>
-          <p:cNvPr id="144" name="Google Shape;144;p18"/>
-          <p:cNvSpPr txBox="1">
-            <a:spLocks noGrp="1"/>
-          </p:cNvSpPr>
-          <p:nvPr>
-            <p:ph type="title"/>
-          </p:nvPr>
-        </p:nvSpPr>
-        <p:spPr>
-          <a:xfrm>
-            <a:off x="549600" y="361375"/>
-            <a:ext cx="7497000" cy="549600"/>
-          </a:xfrm>
-          <a:prstGeom prst="rect">
-            <a:avLst/>
-          </a:prstGeom>
-        </p:spPr>
-        <p:txBody>
-          <a:bodyPr spcFirstLastPara="1" wrap="square" lIns="91425" tIns="91425" rIns="91425" bIns="91425" anchor="b" anchorCtr="0">
-            <a:noAutofit/>
-          </a:bodyPr>
-          <a:lstStyle/>
-          <a:p>
-            <a:pPr marL="0" lvl="0" indent="0" algn="l" rtl="0">
-              <a:spcBef>
-                <a:spcPts val="0"/>
-              </a:spcBef>
-              <a:spcAft>
-                <a:spcPts val="0"/>
-              </a:spcAft>
-              <a:buNone/>
-            </a:pPr>
-            <a:r>
-              <a:rPr lang="pl-PL" dirty="0" smtClean="0"/>
-              <a:t>Pomysł</a:t>
-            </a:r>
-            <a:endParaRPr dirty="0"/>
-          </a:p>
-        </p:txBody>
-      </p:sp>
-      <p:sp>
-        <p:nvSpPr>
-          <p:cNvPr id="145" name="Google Shape;145;p18"/>
-          <p:cNvSpPr txBox="1">
-            <a:spLocks noGrp="1"/>
-          </p:cNvSpPr>
-          <p:nvPr>
-            <p:ph type="body" idx="1"/>
-          </p:nvPr>
-        </p:nvSpPr>
-        <p:spPr>
-          <a:xfrm>
-            <a:off x="549600" y="1200150"/>
-            <a:ext cx="7497000" cy="2946300"/>
-          </a:xfrm>
-          <a:prstGeom prst="rect">
-            <a:avLst/>
-          </a:prstGeom>
-        </p:spPr>
-        <p:txBody>
-          <a:bodyPr spcFirstLastPara="1" wrap="square" lIns="91425" tIns="91425" rIns="91425" bIns="91425" anchor="t" anchorCtr="0">
-            <a:noAutofit/>
-          </a:bodyPr>
-          <a:lstStyle/>
-          <a:p>
-            <a:pPr marL="457200" lvl="0" indent="-381000" algn="l" rtl="0">
-              <a:spcBef>
-                <a:spcPts val="0"/>
-              </a:spcBef>
-              <a:spcAft>
-                <a:spcPts val="0"/>
-              </a:spcAft>
-              <a:buSzPts val="2400"/>
-              <a:buChar char="▪"/>
-            </a:pPr>
-            <a:r>
-              <a:rPr lang="pl-PL" dirty="0" smtClean="0"/>
-              <a:t>Prosta zasada/funkcjonalność</a:t>
-            </a:r>
-            <a:endParaRPr lang="pl-PL" dirty="0"/>
-          </a:p>
-          <a:p>
-            <a:pPr marL="457200" lvl="0" indent="-381000" algn="l" rtl="0">
-              <a:spcBef>
-                <a:spcPts val="0"/>
-              </a:spcBef>
-              <a:spcAft>
-                <a:spcPts val="0"/>
-              </a:spcAft>
-              <a:buSzPts val="2400"/>
-              <a:buChar char="▪"/>
-            </a:pPr>
-            <a:r>
-              <a:rPr lang="pl-PL" dirty="0" smtClean="0"/>
-              <a:t>Możliwość rozbudowy</a:t>
-            </a:r>
-          </a:p>
-          <a:p>
-            <a:pPr marL="457200" lvl="0" indent="-381000" algn="l" rtl="0">
-              <a:spcBef>
-                <a:spcPts val="0"/>
-              </a:spcBef>
-              <a:spcAft>
-                <a:spcPts val="0"/>
-              </a:spcAft>
-              <a:buSzPts val="2400"/>
-              <a:buChar char="▪"/>
-            </a:pPr>
-            <a:r>
-              <a:rPr lang="pl-PL" dirty="0" smtClean="0"/>
-              <a:t>Historia cen</a:t>
-            </a:r>
-          </a:p>
-          <a:p>
-            <a:pPr marL="457200" lvl="0" indent="-381000" algn="l" rtl="0">
-              <a:spcBef>
-                <a:spcPts val="0"/>
-              </a:spcBef>
-              <a:spcAft>
-                <a:spcPts val="0"/>
-              </a:spcAft>
-              <a:buSzPts val="2400"/>
-              <a:buChar char="▪"/>
-            </a:pPr>
-            <a:r>
-              <a:rPr lang="pl-PL" dirty="0" smtClean="0"/>
-              <a:t>Logowanie/rejestracja</a:t>
-            </a:r>
-            <a:endParaRPr dirty="0"/>
-          </a:p>
-          <a:p>
-            <a:pPr marL="0" lvl="0" indent="0" algn="l" rtl="0">
-              <a:spcBef>
-                <a:spcPts val="600"/>
-              </a:spcBef>
-              <a:spcAft>
-                <a:spcPts val="0"/>
-              </a:spcAft>
-              <a:buNone/>
-            </a:pPr>
-            <a:endParaRPr lang="pl-PL" dirty="0" smtClean="0"/>
-          </a:p>
-          <a:p>
-            <a:pPr marL="0" lvl="0" indent="0" algn="l" rtl="0">
-              <a:spcBef>
-                <a:spcPts val="600"/>
-              </a:spcBef>
-              <a:spcAft>
-                <a:spcPts val="0"/>
-              </a:spcAft>
-              <a:buNone/>
-            </a:pPr>
-            <a:r>
-              <a:rPr lang="pl-PL" dirty="0" smtClean="0"/>
-              <a:t>Czy to wszystko ma sens?</a:t>
-            </a:r>
-          </a:p>
-          <a:p>
-            <a:pPr marL="0" lvl="0" indent="0" algn="l" rtl="0">
-              <a:spcBef>
-                <a:spcPts val="600"/>
-              </a:spcBef>
-              <a:spcAft>
-                <a:spcPts val="0"/>
-              </a:spcAft>
-              <a:buNone/>
-            </a:pPr>
-            <a:r>
-              <a:rPr lang="pl-PL" dirty="0" err="1" smtClean="0"/>
-              <a:t>c.d.n</a:t>
-            </a:r>
-            <a:r>
-              <a:rPr lang="pl-PL" dirty="0" smtClean="0"/>
-              <a:t>…..</a:t>
-            </a:r>
-            <a:endParaRPr dirty="0"/>
-          </a:p>
-        </p:txBody>
-      </p:sp>
-      <p:sp>
-        <p:nvSpPr>
-          <p:cNvPr id="146" name="Google Shape;146;p18"/>
-          <p:cNvSpPr txBox="1">
-            <a:spLocks noGrp="1"/>
-          </p:cNvSpPr>
-          <p:nvPr>
-            <p:ph type="sldNum" idx="12"/>
-          </p:nvPr>
-        </p:nvSpPr>
-        <p:spPr>
-          <a:xfrm>
-            <a:off x="8046600" y="4593850"/>
-            <a:ext cx="1097400" cy="549600"/>
-          </a:xfrm>
-          <a:prstGeom prst="rect">
-            <a:avLst/>
-          </a:prstGeom>
-        </p:spPr>
-        <p:txBody>
-          <a:bodyPr spcFirstLastPara="1" wrap="square" lIns="91425" tIns="91425" rIns="91425" bIns="91425" anchor="ctr" anchorCtr="0">
-            <a:noAutofit/>
-          </a:bodyPr>
-          <a:lstStyle/>
-          <a:p>
-            <a:pPr marL="0" lvl="0" indent="0" algn="ctr" rtl="0">
-              <a:spcBef>
-                <a:spcPts val="0"/>
-              </a:spcBef>
-              <a:spcAft>
-                <a:spcPts val="0"/>
-              </a:spcAft>
-              <a:buNone/>
-            </a:pPr>
-            <a:fld id="{00000000-1234-1234-1234-123412341234}" type="slidenum">
-              <a:rPr lang="en"/>
-              <a:t>3</a:t>
-            </a:fld>
-            <a:endParaRPr/>
-          </a:p>
-        </p:txBody>
-      </p:sp>
-      <p:sp>
-        <p:nvSpPr>
-          <p:cNvPr id="147" name="Google Shape;147;p18"/>
-          <p:cNvSpPr txBox="1">
-            <a:spLocks noGrp="1"/>
-          </p:cNvSpPr>
-          <p:nvPr>
-            <p:ph type="sldNum" idx="4294967295"/>
-          </p:nvPr>
-        </p:nvSpPr>
-        <p:spPr>
-          <a:xfrm>
-            <a:off x="4023300" y="4593850"/>
-            <a:ext cx="1097400" cy="549600"/>
-          </a:xfrm>
-          <a:prstGeom prst="rect">
-            <a:avLst/>
-          </a:prstGeom>
-        </p:spPr>
-        <p:txBody>
-          <a:bodyPr spcFirstLastPara="1" wrap="square" lIns="91425" tIns="91425" rIns="91425" bIns="91425" anchor="ctr" anchorCtr="0">
-            <a:noAutofit/>
-          </a:bodyPr>
-          <a:lstStyle/>
-          <a:p>
-            <a:pPr marL="0" lvl="0" indent="0" algn="ctr" rtl="0">
-              <a:spcBef>
-                <a:spcPts val="0"/>
-              </a:spcBef>
-              <a:spcAft>
-                <a:spcPts val="0"/>
-              </a:spcAft>
-              <a:buNone/>
-            </a:pPr>
-            <a:fld id="{00000000-1234-1234-1234-123412341234}" type="slidenum">
-              <a:rPr lang="en"/>
-              <a:t>3</a:t>
-            </a:fld>
-            <a:endParaRPr/>
-          </a:p>
-        </p:txBody>
-      </p:sp>
-    </p:spTree>
-  </p:cSld>
-  <p:clrMapOvr>
-    <a:masterClrMapping/>
-  </p:clrMapOvr>
-</p:sld>
-</file>
-
-<file path=ppt/slides/slide30.xml><?xml version="1.0" encoding="utf-8"?>
+<file path=ppt/slides/slide32.xml><?xml version="1.0" encoding="utf-8"?>
 <p:sld xmlns:a="http://schemas.openxmlformats.org/drawingml/2006/main" xmlns:r="http://schemas.openxmlformats.org/officeDocument/2006/relationships" xmlns:p="http://schemas.openxmlformats.org/presentationml/2006/main">
   <p:cSld>
     <p:spTree>
@@ -15383,7 +15571,7 @@
             </a:pPr>
             <a:fld id="{00000000-1234-1234-1234-123412341234}" type="slidenum">
               <a:rPr lang="en"/>
-              <a:t>30</a:t>
+              <a:t>32</a:t>
             </a:fld>
             <a:endParaRPr/>
           </a:p>
@@ -15508,7 +15696,7 @@
 </p:sld>
 </file>
 
-<file path=ppt/slides/slide31.xml><?xml version="1.0" encoding="utf-8"?>
+<file path=ppt/slides/slide33.xml><?xml version="1.0" encoding="utf-8"?>
 <p:sld xmlns:a="http://schemas.openxmlformats.org/drawingml/2006/main" xmlns:r="http://schemas.openxmlformats.org/officeDocument/2006/relationships" xmlns:p="http://schemas.openxmlformats.org/presentationml/2006/main">
   <p:cSld>
     <p:bg>
@@ -17334,7 +17522,7 @@
             </a:pPr>
             <a:fld id="{00000000-1234-1234-1234-123412341234}" type="slidenum">
               <a:rPr lang="en"/>
-              <a:t>31</a:t>
+              <a:t>33</a:t>
             </a:fld>
             <a:endParaRPr/>
           </a:p>
@@ -17544,6 +17732,13 @@
   <p:clrMapOvr>
     <a:masterClrMapping/>
   </p:clrMapOvr>
+  <p:timing>
+    <p:tnLst>
+      <p:par>
+        <p:cTn id="1" dur="indefinite" restart="never" nodeType="tmRoot"/>
+      </p:par>
+    </p:tnLst>
+  </p:timing>
 </p:sld>
 </file>
 
@@ -18325,6 +18520,13 @@
   <p:clrMapOvr>
     <a:masterClrMapping/>
   </p:clrMapOvr>
+  <p:timing>
+    <p:tnLst>
+      <p:par>
+        <p:cTn id="1" dur="indefinite" restart="never" nodeType="tmRoot"/>
+      </p:par>
+    </p:tnLst>
+  </p:timing>
 </p:sld>
 </file>
 
@@ -18545,6 +18747,13 @@
   <p:clrMapOvr>
     <a:masterClrMapping/>
   </p:clrMapOvr>
+  <p:timing>
+    <p:tnLst>
+      <p:par>
+        <p:cTn id="1" dur="indefinite" restart="never" nodeType="tmRoot"/>
+      </p:par>
+    </p:tnLst>
+  </p:timing>
 </p:sld>
 </file>
 
@@ -18781,278 +18990,17 @@
   <p:clrMapOvr>
     <a:masterClrMapping/>
   </p:clrMapOvr>
+  <p:timing>
+    <p:tnLst>
+      <p:par>
+        <p:cTn id="1" dur="indefinite" restart="never" nodeType="tmRoot"/>
+      </p:par>
+    </p:tnLst>
+  </p:timing>
 </p:sld>
 </file>
 
 <file path=ppt/slides/slide8.xml><?xml version="1.0" encoding="utf-8"?>
-<p:sld xmlns:a="http://schemas.openxmlformats.org/drawingml/2006/main" xmlns:r="http://schemas.openxmlformats.org/officeDocument/2006/relationships" xmlns:p="http://schemas.openxmlformats.org/presentationml/2006/main">
-  <p:cSld>
-    <p:spTree>
-      <p:nvGrpSpPr>
-        <p:cNvPr id="1" name="Shape 171"/>
-        <p:cNvGrpSpPr/>
-        <p:nvPr/>
-      </p:nvGrpSpPr>
-      <p:grpSpPr>
-        <a:xfrm>
-          <a:off x="0" y="0"/>
-          <a:ext cx="0" cy="0"/>
-          <a:chOff x="0" y="0"/>
-          <a:chExt cx="0" cy="0"/>
-        </a:xfrm>
-      </p:grpSpPr>
-      <p:sp>
-        <p:nvSpPr>
-          <p:cNvPr id="172" name="Google Shape;172;p20"/>
-          <p:cNvSpPr txBox="1">
-            <a:spLocks noGrp="1"/>
-          </p:cNvSpPr>
-          <p:nvPr>
-            <p:ph type="body" idx="1"/>
-          </p:nvPr>
-        </p:nvSpPr>
-        <p:spPr>
-          <a:xfrm>
-            <a:off x="549600" y="1200150"/>
-            <a:ext cx="3639000" cy="3108300"/>
-          </a:xfrm>
-          <a:prstGeom prst="rect">
-            <a:avLst/>
-          </a:prstGeom>
-        </p:spPr>
-        <p:txBody>
-          <a:bodyPr spcFirstLastPara="1" wrap="square" lIns="91425" tIns="91425" rIns="91425" bIns="91425" anchor="t" anchorCtr="0">
-            <a:noAutofit/>
-          </a:bodyPr>
-          <a:lstStyle/>
-          <a:p>
-            <a:pPr marL="0" lvl="0" indent="0" algn="l" rtl="0">
-              <a:spcBef>
-                <a:spcPts val="600"/>
-              </a:spcBef>
-              <a:spcAft>
-                <a:spcPts val="0"/>
-              </a:spcAft>
-              <a:buNone/>
-            </a:pPr>
-            <a:r>
-              <a:rPr lang="pl-PL" b="1" dirty="0" err="1" smtClean="0"/>
-              <a:t>Bootstrap</a:t>
-            </a:r>
-          </a:p>
-          <a:p>
-            <a:pPr lvl="0">
-              <a:spcBef>
-                <a:spcPts val="0"/>
-              </a:spcBef>
-            </a:pPr>
-            <a:r>
-              <a:rPr lang="pl-PL" dirty="0" smtClean="0"/>
-              <a:t>HTML CSS JS</a:t>
-            </a:r>
-          </a:p>
-          <a:p>
-            <a:pPr lvl="0">
-              <a:spcBef>
-                <a:spcPts val="0"/>
-              </a:spcBef>
-            </a:pPr>
-            <a:r>
-              <a:rPr lang="pl-PL" dirty="0" smtClean="0"/>
-              <a:t>134K 66K</a:t>
-            </a:r>
-          </a:p>
-          <a:p>
-            <a:pPr lvl="0">
-              <a:spcBef>
-                <a:spcPts val="0"/>
-              </a:spcBef>
-            </a:pPr>
-            <a:r>
-              <a:rPr lang="pl-PL" dirty="0" smtClean="0"/>
-              <a:t>300KB</a:t>
-            </a:r>
-          </a:p>
-          <a:p>
-            <a:pPr marL="101600" lvl="0" indent="0">
-              <a:spcBef>
-                <a:spcPts val="0"/>
-              </a:spcBef>
-              <a:buNone/>
-            </a:pPr>
-            <a:endParaRPr lang="pl-PL" dirty="0"/>
-          </a:p>
-        </p:txBody>
-      </p:sp>
-      <p:sp>
-        <p:nvSpPr>
-          <p:cNvPr id="173" name="Google Shape;173;p20"/>
-          <p:cNvSpPr txBox="1">
-            <a:spLocks noGrp="1"/>
-          </p:cNvSpPr>
-          <p:nvPr>
-            <p:ph type="title"/>
-          </p:nvPr>
-        </p:nvSpPr>
-        <p:spPr>
-          <a:xfrm>
-            <a:off x="549600" y="361375"/>
-            <a:ext cx="7497000" cy="549600"/>
-          </a:xfrm>
-          <a:prstGeom prst="rect">
-            <a:avLst/>
-          </a:prstGeom>
-        </p:spPr>
-        <p:txBody>
-          <a:bodyPr spcFirstLastPara="1" wrap="square" lIns="91425" tIns="91425" rIns="91425" bIns="91425" anchor="b" anchorCtr="0">
-            <a:noAutofit/>
-          </a:bodyPr>
-          <a:lstStyle/>
-          <a:p>
-            <a:pPr marL="0" lvl="0" indent="0" algn="l" rtl="0">
-              <a:spcBef>
-                <a:spcPts val="0"/>
-              </a:spcBef>
-              <a:spcAft>
-                <a:spcPts val="0"/>
-              </a:spcAft>
-              <a:buNone/>
-            </a:pPr>
-            <a:r>
-              <a:rPr lang="pl-PL" dirty="0" smtClean="0"/>
-              <a:t>Interfejs</a:t>
-            </a:r>
-            <a:endParaRPr dirty="0"/>
-          </a:p>
-        </p:txBody>
-      </p:sp>
-      <p:sp>
-        <p:nvSpPr>
-          <p:cNvPr id="174" name="Google Shape;174;p20"/>
-          <p:cNvSpPr txBox="1">
-            <a:spLocks noGrp="1"/>
-          </p:cNvSpPr>
-          <p:nvPr>
-            <p:ph type="body" idx="2"/>
-          </p:nvPr>
-        </p:nvSpPr>
-        <p:spPr>
-          <a:xfrm>
-            <a:off x="4407604" y="1200150"/>
-            <a:ext cx="3639000" cy="3108300"/>
-          </a:xfrm>
-          <a:prstGeom prst="rect">
-            <a:avLst/>
-          </a:prstGeom>
-        </p:spPr>
-        <p:txBody>
-          <a:bodyPr spcFirstLastPara="1" wrap="square" lIns="91425" tIns="91425" rIns="91425" bIns="91425" anchor="t" anchorCtr="0">
-            <a:noAutofit/>
-          </a:bodyPr>
-          <a:lstStyle/>
-          <a:p>
-            <a:pPr marL="0" lvl="0" indent="0" algn="l" rtl="0">
-              <a:spcBef>
-                <a:spcPts val="600"/>
-              </a:spcBef>
-              <a:spcAft>
-                <a:spcPts val="0"/>
-              </a:spcAft>
-              <a:buNone/>
-            </a:pPr>
-            <a:r>
-              <a:rPr lang="pl-PL" b="1" dirty="0" err="1" smtClean="0"/>
-              <a:t>Bulma</a:t>
-            </a:r>
-            <a:endParaRPr b="1" dirty="0"/>
-          </a:p>
-          <a:p>
-            <a:pPr lvl="0">
-              <a:spcBef>
-                <a:spcPts val="0"/>
-              </a:spcBef>
-            </a:pPr>
-            <a:r>
-              <a:rPr lang="pl-PL" dirty="0" smtClean="0"/>
-              <a:t>CSS</a:t>
-            </a:r>
-            <a:endParaRPr lang="pl-PL" dirty="0"/>
-          </a:p>
-          <a:p>
-            <a:pPr lvl="0">
-              <a:spcBef>
-                <a:spcPts val="0"/>
-              </a:spcBef>
-            </a:pPr>
-            <a:r>
-              <a:rPr lang="pl-PL" dirty="0" smtClean="0"/>
-              <a:t>35.6K 2.86K</a:t>
-            </a:r>
-          </a:p>
-          <a:p>
-            <a:pPr lvl="0">
-              <a:spcBef>
-                <a:spcPts val="0"/>
-              </a:spcBef>
-            </a:pPr>
-            <a:r>
-              <a:rPr lang="pl-PL" dirty="0" smtClean="0"/>
-              <a:t>Małe zależności</a:t>
-            </a:r>
-          </a:p>
-        </p:txBody>
-      </p:sp>
-      <p:sp>
-        <p:nvSpPr>
-          <p:cNvPr id="175" name="Google Shape;175;p20"/>
-          <p:cNvSpPr txBox="1">
-            <a:spLocks noGrp="1"/>
-          </p:cNvSpPr>
-          <p:nvPr>
-            <p:ph type="sldNum" idx="12"/>
-          </p:nvPr>
-        </p:nvSpPr>
-        <p:spPr>
-          <a:xfrm>
-            <a:off x="8046600" y="4593850"/>
-            <a:ext cx="1097400" cy="549600"/>
-          </a:xfrm>
-          <a:prstGeom prst="rect">
-            <a:avLst/>
-          </a:prstGeom>
-        </p:spPr>
-        <p:txBody>
-          <a:bodyPr spcFirstLastPara="1" wrap="square" lIns="91425" tIns="91425" rIns="91425" bIns="91425" anchor="ctr" anchorCtr="0">
-            <a:noAutofit/>
-          </a:bodyPr>
-          <a:lstStyle/>
-          <a:p>
-            <a:pPr marL="0" lvl="0" indent="0" algn="ctr" rtl="0">
-              <a:spcBef>
-                <a:spcPts val="0"/>
-              </a:spcBef>
-              <a:spcAft>
-                <a:spcPts val="0"/>
-              </a:spcAft>
-              <a:buNone/>
-            </a:pPr>
-            <a:fld id="{00000000-1234-1234-1234-123412341234}" type="slidenum">
-              <a:rPr lang="en"/>
-              <a:t>8</a:t>
-            </a:fld>
-            <a:endParaRPr/>
-          </a:p>
-        </p:txBody>
-      </p:sp>
-    </p:spTree>
-  </p:cSld>
-  <p:clrMapOvr>
-    <a:masterClrMapping/>
-  </p:clrMapOvr>
-</p:sld>
-</file>
-
-<file path=ppt/slides/slide9.xml><?xml version="1.0" encoding="utf-8"?>
 <p:sld xmlns:a="http://schemas.openxmlformats.org/drawingml/2006/main" xmlns:r="http://schemas.openxmlformats.org/officeDocument/2006/relationships" xmlns:p="http://schemas.openxmlformats.org/presentationml/2006/main">
   <p:cSld>
     <p:spTree>
@@ -19147,7 +19095,7 @@
             </a:pPr>
             <a:fld id="{00000000-1234-1234-1234-123412341234}" type="slidenum">
               <a:rPr lang="en"/>
-              <a:t>9</a:t>
+              <a:t>8</a:t>
             </a:fld>
             <a:endParaRPr/>
           </a:p>
@@ -19235,8 +19183,9 @@
             </a:pPr>
             <a:r>
               <a:rPr lang="pl-PL" dirty="0" smtClean="0"/>
-              <a:t>Autentykacja</a:t>
+              <a:t>Autentykacja i autoryzacja</a:t>
             </a:r>
+            <a:endParaRPr lang="pl-PL" dirty="0" smtClean="0"/>
           </a:p>
           <a:p>
             <a:pPr lvl="0">
@@ -19245,8 +19194,8 @@
               </a:spcBef>
             </a:pPr>
             <a:r>
-              <a:rPr lang="pl-PL" dirty="0" err="1" smtClean="0"/>
-              <a:t>Forms</a:t>
+              <a:rPr lang="pl-PL" dirty="0" smtClean="0"/>
+              <a:t>Formularze</a:t>
             </a:r>
             <a:endParaRPr lang="pl-PL" dirty="0" smtClean="0"/>
           </a:p>
@@ -19262,6 +19211,289 @@
   <p:clrMapOvr>
     <a:masterClrMapping/>
   </p:clrMapOvr>
+  <p:timing>
+    <p:tnLst>
+      <p:par>
+        <p:cTn id="1" dur="indefinite" restart="never" nodeType="tmRoot"/>
+      </p:par>
+    </p:tnLst>
+  </p:timing>
+</p:sld>
+</file>
+
+<file path=ppt/slides/slide9.xml><?xml version="1.0" encoding="utf-8"?>
+<p:sld xmlns:a="http://schemas.openxmlformats.org/drawingml/2006/main" xmlns:r="http://schemas.openxmlformats.org/officeDocument/2006/relationships" xmlns:p="http://schemas.openxmlformats.org/presentationml/2006/main">
+  <p:cSld>
+    <p:spTree>
+      <p:nvGrpSpPr>
+        <p:cNvPr id="1" name="Shape 143"/>
+        <p:cNvGrpSpPr/>
+        <p:nvPr/>
+      </p:nvGrpSpPr>
+      <p:grpSpPr>
+        <a:xfrm>
+          <a:off x="0" y="0"/>
+          <a:ext cx="0" cy="0"/>
+          <a:chOff x="0" y="0"/>
+          <a:chExt cx="0" cy="0"/>
+        </a:xfrm>
+      </p:grpSpPr>
+      <p:sp>
+        <p:nvSpPr>
+          <p:cNvPr id="144" name="Google Shape;144;p18"/>
+          <p:cNvSpPr txBox="1">
+            <a:spLocks noGrp="1"/>
+          </p:cNvSpPr>
+          <p:nvPr>
+            <p:ph type="title"/>
+          </p:nvPr>
+        </p:nvSpPr>
+        <p:spPr>
+          <a:xfrm>
+            <a:off x="549600" y="361375"/>
+            <a:ext cx="7497000" cy="549600"/>
+          </a:xfrm>
+          <a:prstGeom prst="rect">
+            <a:avLst/>
+          </a:prstGeom>
+        </p:spPr>
+        <p:txBody>
+          <a:bodyPr spcFirstLastPara="1" wrap="square" lIns="91425" tIns="91425" rIns="91425" bIns="91425" anchor="b" anchorCtr="0">
+            <a:noAutofit/>
+          </a:bodyPr>
+          <a:lstStyle/>
+          <a:p>
+            <a:pPr marL="0" lvl="0" indent="0" algn="l" rtl="0">
+              <a:spcBef>
+                <a:spcPts val="0"/>
+              </a:spcBef>
+              <a:spcAft>
+                <a:spcPts val="0"/>
+              </a:spcAft>
+              <a:buNone/>
+            </a:pPr>
+            <a:r>
+              <a:rPr lang="pl-PL" dirty="0" smtClean="0"/>
+              <a:t>Robot</a:t>
+            </a:r>
+            <a:endParaRPr dirty="0"/>
+          </a:p>
+        </p:txBody>
+      </p:sp>
+      <p:sp>
+        <p:nvSpPr>
+          <p:cNvPr id="145" name="Google Shape;145;p18"/>
+          <p:cNvSpPr txBox="1">
+            <a:spLocks noGrp="1"/>
+          </p:cNvSpPr>
+          <p:nvPr>
+            <p:ph type="body" idx="1"/>
+          </p:nvPr>
+        </p:nvSpPr>
+        <p:spPr>
+          <a:xfrm>
+            <a:off x="539552" y="1059582"/>
+            <a:ext cx="7497000" cy="2946300"/>
+          </a:xfrm>
+          <a:prstGeom prst="rect">
+            <a:avLst/>
+          </a:prstGeom>
+        </p:spPr>
+        <p:txBody>
+          <a:bodyPr spcFirstLastPara="1" wrap="square" lIns="91425" tIns="91425" rIns="91425" bIns="91425" anchor="t" anchorCtr="0">
+            <a:noAutofit/>
+          </a:bodyPr>
+          <a:lstStyle/>
+          <a:p>
+            <a:pPr marL="76200" lvl="0" indent="0">
+              <a:spcBef>
+                <a:spcPts val="0"/>
+              </a:spcBef>
+              <a:buNone/>
+            </a:pPr>
+            <a:r>
+              <a:rPr lang="pl-PL" dirty="0" smtClean="0"/>
+              <a:t>Chciałby:</a:t>
+            </a:r>
+          </a:p>
+          <a:p>
+            <a:pPr lvl="0">
+              <a:spcBef>
+                <a:spcPts val="0"/>
+              </a:spcBef>
+            </a:pPr>
+            <a:r>
+              <a:rPr lang="pl-PL" dirty="0" smtClean="0"/>
+              <a:t>Żeby użytkownik nie był głupi</a:t>
+            </a:r>
+            <a:endParaRPr lang="pl-PL" dirty="0"/>
+          </a:p>
+          <a:p>
+            <a:pPr lvl="0">
+              <a:spcBef>
+                <a:spcPts val="0"/>
+              </a:spcBef>
+            </a:pPr>
+            <a:r>
+              <a:rPr lang="pl-PL" dirty="0" smtClean="0"/>
+              <a:t>Połączenie ze swoją bazą danych</a:t>
+            </a:r>
+          </a:p>
+          <a:p>
+            <a:pPr lvl="0">
+              <a:spcBef>
+                <a:spcPts val="0"/>
+              </a:spcBef>
+            </a:pPr>
+            <a:r>
+              <a:rPr lang="pl-PL" dirty="0" smtClean="0"/>
+              <a:t>Połączenie </a:t>
+            </a:r>
+            <a:r>
+              <a:rPr lang="pl-PL" dirty="0" smtClean="0"/>
+              <a:t>z </a:t>
+            </a:r>
+            <a:r>
+              <a:rPr lang="pl-PL" dirty="0" smtClean="0"/>
+              <a:t>allegro</a:t>
+            </a:r>
+          </a:p>
+          <a:p>
+            <a:pPr lvl="0">
+              <a:spcBef>
+                <a:spcPts val="0"/>
+              </a:spcBef>
+            </a:pPr>
+            <a:r>
+              <a:rPr lang="pl-PL" dirty="0" smtClean="0"/>
+              <a:t>Szybki „Algorytm” gromadzenia, oraz przetwarzania danych</a:t>
+            </a:r>
+          </a:p>
+          <a:p>
+            <a:pPr lvl="0">
+              <a:spcBef>
+                <a:spcPts val="0"/>
+              </a:spcBef>
+            </a:pPr>
+            <a:r>
+              <a:rPr lang="pl-PL" dirty="0" smtClean="0"/>
+              <a:t>Gdzieś pracować</a:t>
+            </a:r>
+          </a:p>
+          <a:p>
+            <a:pPr lvl="0">
+              <a:spcBef>
+                <a:spcPts val="0"/>
+              </a:spcBef>
+            </a:pPr>
+            <a:r>
+              <a:rPr lang="pl-PL" dirty="0" smtClean="0"/>
+              <a:t>Być bezpieczny</a:t>
+            </a:r>
+          </a:p>
+        </p:txBody>
+      </p:sp>
+      <p:sp>
+        <p:nvSpPr>
+          <p:cNvPr id="146" name="Google Shape;146;p18"/>
+          <p:cNvSpPr txBox="1">
+            <a:spLocks noGrp="1"/>
+          </p:cNvSpPr>
+          <p:nvPr>
+            <p:ph type="sldNum" idx="12"/>
+          </p:nvPr>
+        </p:nvSpPr>
+        <p:spPr>
+          <a:xfrm>
+            <a:off x="8046600" y="4593850"/>
+            <a:ext cx="1097400" cy="549600"/>
+          </a:xfrm>
+          <a:prstGeom prst="rect">
+            <a:avLst/>
+          </a:prstGeom>
+        </p:spPr>
+        <p:txBody>
+          <a:bodyPr spcFirstLastPara="1" wrap="square" lIns="91425" tIns="91425" rIns="91425" bIns="91425" anchor="ctr" anchorCtr="0">
+            <a:noAutofit/>
+          </a:bodyPr>
+          <a:lstStyle/>
+          <a:p>
+            <a:pPr marL="0" lvl="0" indent="0" algn="ctr" rtl="0">
+              <a:spcBef>
+                <a:spcPts val="0"/>
+              </a:spcBef>
+              <a:spcAft>
+                <a:spcPts val="0"/>
+              </a:spcAft>
+              <a:buNone/>
+            </a:pPr>
+            <a:fld id="{00000000-1234-1234-1234-123412341234}" type="slidenum">
+              <a:rPr lang="en"/>
+              <a:t>9</a:t>
+            </a:fld>
+            <a:endParaRPr/>
+          </a:p>
+        </p:txBody>
+      </p:sp>
+      <p:sp>
+        <p:nvSpPr>
+          <p:cNvPr id="147" name="Google Shape;147;p18"/>
+          <p:cNvSpPr txBox="1">
+            <a:spLocks noGrp="1"/>
+          </p:cNvSpPr>
+          <p:nvPr>
+            <p:ph type="sldNum" idx="4294967295"/>
+          </p:nvPr>
+        </p:nvSpPr>
+        <p:spPr>
+          <a:xfrm>
+            <a:off x="4023300" y="4593850"/>
+            <a:ext cx="1097400" cy="549600"/>
+          </a:xfrm>
+          <a:prstGeom prst="rect">
+            <a:avLst/>
+          </a:prstGeom>
+        </p:spPr>
+        <p:txBody>
+          <a:bodyPr spcFirstLastPara="1" wrap="square" lIns="91425" tIns="91425" rIns="91425" bIns="91425" anchor="ctr" anchorCtr="0">
+            <a:noAutofit/>
+          </a:bodyPr>
+          <a:lstStyle/>
+          <a:p>
+            <a:pPr marL="0" lvl="0" indent="0" algn="ctr" rtl="0">
+              <a:spcBef>
+                <a:spcPts val="0"/>
+              </a:spcBef>
+              <a:spcAft>
+                <a:spcPts val="0"/>
+              </a:spcAft>
+              <a:buNone/>
+            </a:pPr>
+            <a:fld id="{00000000-1234-1234-1234-123412341234}" type="slidenum">
+              <a:rPr lang="en"/>
+              <a:t>9</a:t>
+            </a:fld>
+            <a:endParaRPr/>
+          </a:p>
+        </p:txBody>
+      </p:sp>
+    </p:spTree>
+    <p:extLst>
+      <p:ext uri="{BB962C8B-B14F-4D97-AF65-F5344CB8AC3E}">
+        <p14:creationId xmlns:p14="http://schemas.microsoft.com/office/powerpoint/2010/main" val="3576051005"/>
+      </p:ext>
+    </p:extLst>
+  </p:cSld>
+  <p:clrMapOvr>
+    <a:masterClrMapping/>
+  </p:clrMapOvr>
+  <p:timing>
+    <p:tnLst>
+      <p:par>
+        <p:cTn id="1" dur="indefinite" restart="never" nodeType="tmRoot"/>
+      </p:par>
+    </p:tnLst>
+  </p:timing>
 </p:sld>
 </file>
 
